--- a/ppt/ML_Study_Ch7.pptx
+++ b/ppt/ML_Study_Ch7.pptx
@@ -5,7 +5,7 @@
     <p:sldMasterId id="2147483648" r:id="rId1"/>
   </p:sldMasterIdLst>
   <p:notesMasterIdLst>
-    <p:notesMasterId r:id="rId17"/>
+    <p:notesMasterId r:id="rId22"/>
   </p:notesMasterIdLst>
   <p:sldIdLst>
     <p:sldId id="260" r:id="rId2"/>
@@ -21,8 +21,13 @@
     <p:sldId id="307" r:id="rId12"/>
     <p:sldId id="308" r:id="rId13"/>
     <p:sldId id="309" r:id="rId14"/>
-    <p:sldId id="310" r:id="rId15"/>
-    <p:sldId id="279" r:id="rId16"/>
+    <p:sldId id="311" r:id="rId15"/>
+    <p:sldId id="312" r:id="rId16"/>
+    <p:sldId id="313" r:id="rId17"/>
+    <p:sldId id="315" r:id="rId18"/>
+    <p:sldId id="316" r:id="rId19"/>
+    <p:sldId id="317" r:id="rId20"/>
+    <p:sldId id="279" r:id="rId21"/>
   </p:sldIdLst>
   <p:sldSz cx="12192000" cy="6858000"/>
   <p:notesSz cx="6858000" cy="9144000"/>
@@ -4039,7 +4044,7 @@
                 <a:latin typeface="나눔명조" panose="02020603020101020101" pitchFamily="18" charset="-127"/>
                 <a:ea typeface="나눔명조" panose="02020603020101020101" pitchFamily="18" charset="-127"/>
               </a:rPr>
-              <a:t>앙상블 학습</a:t>
+              <a:t>앙상블 학습 기법 소개</a:t>
             </a:r>
             <a:endParaRPr lang="en-US" altLang="ko-KR" sz="4800" b="1" dirty="0">
               <a:solidFill>
@@ -5143,9 +5148,10 @@
           <a:lstStyle/>
           <a:p>
             <a:r>
-              <a:rPr lang="ko-KR" altLang="en-US" dirty="0"/>
-              <a:t>미완성 죄송합니다</a:t>
-            </a:r>
+              <a:rPr lang="en-US" altLang="ko-KR" dirty="0"/>
+              <a:t>Boosting</a:t>
+            </a:r>
+            <a:endParaRPr lang="ko-KR" altLang="en-US" dirty="0"/>
           </a:p>
         </p:txBody>
       </p:sp>
@@ -5207,11 +5213,88 @@
           <a:p>
             <a:r>
               <a:rPr lang="ko-KR" altLang="en-US" dirty="0"/>
-              <a:t>다음에 계속</a:t>
+              <a:t>한 번에 하나의 모델을 순차적으로 학습시키는데</a:t>
             </a:r>
             <a:r>
               <a:rPr lang="en-US" altLang="ko-KR" dirty="0"/>
-              <a:t>...</a:t>
+              <a:t>, </a:t>
+            </a:r>
+            <a:r>
+              <a:rPr lang="ko-KR" altLang="en-US" dirty="0"/>
+              <a:t>이전 모델을 보완하면서 다음 모델을 학습시키는 것</a:t>
+            </a:r>
+            <a:endParaRPr lang="en-US" altLang="ko-KR" dirty="0"/>
+          </a:p>
+          <a:p>
+            <a:pPr lvl="1"/>
+            <a:r>
+              <a:rPr lang="ko-KR" altLang="en-US" dirty="0"/>
+              <a:t>이전의 모델이 취약했던 부분을 다음 모델이 집중 학습하여 보완</a:t>
+            </a:r>
+            <a:endParaRPr lang="en-US" altLang="ko-KR" dirty="0"/>
+          </a:p>
+          <a:p>
+            <a:pPr lvl="1"/>
+            <a:r>
+              <a:rPr lang="ko-KR" altLang="en-US" dirty="0"/>
+              <a:t>잡음</a:t>
+            </a:r>
+            <a:r>
+              <a:rPr lang="en-US" altLang="ko-KR" dirty="0"/>
+              <a:t>, </a:t>
+            </a:r>
+            <a:r>
+              <a:rPr lang="ko-KR" altLang="en-US" dirty="0"/>
+              <a:t>이상치에 민감</a:t>
+            </a:r>
+            <a:endParaRPr lang="en-US" altLang="ko-KR" dirty="0"/>
+          </a:p>
+          <a:p>
+            <a:pPr lvl="1"/>
+            <a:r>
+              <a:rPr lang="ko-KR" altLang="en-US" dirty="0"/>
+              <a:t>실제로 잘 활용되는 방법</a:t>
+            </a:r>
+            <a:endParaRPr lang="en-US" altLang="ko-KR" dirty="0"/>
+          </a:p>
+          <a:p>
+            <a:pPr lvl="1"/>
+            <a:r>
+              <a:rPr lang="ko-KR" altLang="en-US" dirty="0"/>
+              <a:t>병렬 처리 불가</a:t>
+            </a:r>
+            <a:endParaRPr lang="en-US" altLang="ko-KR" dirty="0"/>
+          </a:p>
+          <a:p>
+            <a:endParaRPr lang="en-US" altLang="ko-KR" dirty="0"/>
+          </a:p>
+          <a:p>
+            <a:r>
+              <a:rPr lang="ko-KR" altLang="en-US" dirty="0"/>
+              <a:t>대표적인 </a:t>
+            </a:r>
+            <a:r>
+              <a:rPr lang="ko-KR" altLang="en-US" dirty="0" err="1"/>
+              <a:t>부스팅</a:t>
+            </a:r>
+            <a:r>
+              <a:rPr lang="ko-KR" altLang="en-US" dirty="0"/>
+              <a:t> 방법</a:t>
+            </a:r>
+            <a:endParaRPr lang="en-US" altLang="ko-KR" dirty="0"/>
+          </a:p>
+          <a:p>
+            <a:pPr lvl="1"/>
+            <a:r>
+              <a:rPr lang="en-US" altLang="ko-KR" dirty="0"/>
+              <a:t>Adaptive Boosting</a:t>
+            </a:r>
+          </a:p>
+          <a:p>
+            <a:pPr lvl="1"/>
+            <a:r>
+              <a:rPr lang="en-US" altLang="ko-KR" dirty="0"/>
+              <a:t>Gradient Boosting</a:t>
             </a:r>
           </a:p>
         </p:txBody>
@@ -5219,7 +5302,7 @@
     </p:spTree>
     <p:extLst>
       <p:ext uri="{BB962C8B-B14F-4D97-AF65-F5344CB8AC3E}">
-        <p14:creationId xmlns:p14="http://schemas.microsoft.com/office/powerpoint/2010/main" val="2105703728"/>
+        <p14:creationId xmlns:p14="http://schemas.microsoft.com/office/powerpoint/2010/main" val="2972153999"/>
       </p:ext>
     </p:extLst>
   </p:cSld>
@@ -5248,10 +5331,68 @@
       </p:grpSpPr>
       <p:sp>
         <p:nvSpPr>
-          <p:cNvPr id="13" name="내용 개체 틀 2">
-            <a:extLst>
-              <a:ext uri="{FF2B5EF4-FFF2-40B4-BE49-F238E27FC236}">
-                <a16:creationId xmlns:a16="http://schemas.microsoft.com/office/drawing/2014/main" id="{8D477414-C412-4093-A354-5300C9511032}"/>
+          <p:cNvPr id="2" name="제목 1">
+            <a:extLst>
+              <a:ext uri="{FF2B5EF4-FFF2-40B4-BE49-F238E27FC236}">
+                <a16:creationId xmlns:a16="http://schemas.microsoft.com/office/drawing/2014/main" id="{DE9744D8-88AF-44EB-B0A4-9084CDE1A01E}"/>
+              </a:ext>
+            </a:extLst>
+          </p:cNvPr>
+          <p:cNvSpPr>
+            <a:spLocks noGrp="1"/>
+          </p:cNvSpPr>
+          <p:nvPr>
+            <p:ph type="title"/>
+          </p:nvPr>
+        </p:nvSpPr>
+        <p:spPr/>
+        <p:txBody>
+          <a:bodyPr/>
+          <a:lstStyle/>
+          <a:p>
+            <a:r>
+              <a:rPr lang="en-US" altLang="ko-KR" dirty="0"/>
+              <a:t>Adaptive Boosting(1)</a:t>
+            </a:r>
+          </a:p>
+        </p:txBody>
+      </p:sp>
+      <p:sp>
+        <p:nvSpPr>
+          <p:cNvPr id="4" name="슬라이드 번호 개체 틀 3">
+            <a:extLst>
+              <a:ext uri="{FF2B5EF4-FFF2-40B4-BE49-F238E27FC236}">
+                <a16:creationId xmlns:a16="http://schemas.microsoft.com/office/drawing/2014/main" id="{1999B884-51A5-4CF5-883A-72D52B085E67}"/>
+              </a:ext>
+            </a:extLst>
+          </p:cNvPr>
+          <p:cNvSpPr>
+            <a:spLocks noGrp="1"/>
+          </p:cNvSpPr>
+          <p:nvPr>
+            <p:ph type="sldNum" sz="quarter" idx="12"/>
+          </p:nvPr>
+        </p:nvSpPr>
+        <p:spPr/>
+        <p:txBody>
+          <a:bodyPr/>
+          <a:lstStyle/>
+          <a:p>
+            <a:fld id="{F59478C8-4D3E-436D-90D9-DCABC619F031}" type="slidenum">
+              <a:rPr lang="ko-KR" altLang="en-US" smtClean="0"/>
+              <a:pPr/>
+              <a:t>15</a:t>
+            </a:fld>
+            <a:endParaRPr lang="ko-KR" altLang="en-US"/>
+          </a:p>
+        </p:txBody>
+      </p:sp>
+      <p:sp>
+        <p:nvSpPr>
+          <p:cNvPr id="5" name="내용 개체 틀 4">
+            <a:extLst>
+              <a:ext uri="{FF2B5EF4-FFF2-40B4-BE49-F238E27FC236}">
+                <a16:creationId xmlns:a16="http://schemas.microsoft.com/office/drawing/2014/main" id="{A64F563A-E924-42BD-A372-6F6A0B151BB9}"/>
               </a:ext>
             </a:extLst>
           </p:cNvPr>
@@ -5265,102 +5406,2005 @@
         <p:spPr>
           <a:xfrm>
             <a:off x="838200" y="1825625"/>
-            <a:ext cx="10600500" cy="4351338"/>
+            <a:ext cx="10515600" cy="4351338"/>
           </a:xfrm>
         </p:spPr>
         <p:txBody>
-          <a:bodyPr>
-            <a:normAutofit/>
-          </a:bodyPr>
+          <a:bodyPr/>
           <a:lstStyle/>
           <a:p>
             <a:r>
+              <a:rPr lang="ko-KR" altLang="en-US" dirty="0"/>
+              <a:t>이전 모델이 </a:t>
+            </a:r>
+            <a:r>
               <a:rPr lang="ko-KR" altLang="en-US" dirty="0" err="1"/>
-              <a:t>핸즈온</a:t>
-            </a:r>
-            <a:r>
-              <a:rPr lang="ko-KR" altLang="en-US" dirty="0"/>
-              <a:t> </a:t>
-            </a:r>
-            <a:r>
-              <a:rPr lang="ko-KR" altLang="en-US" dirty="0" err="1"/>
-              <a:t>머신러닝</a:t>
+              <a:t>과소적합했던</a:t>
+            </a:r>
+            <a:r>
+              <a:rPr lang="ko-KR" altLang="en-US" dirty="0"/>
+              <a:t> 훈련 샘플의 가중치를 더 높여 다음 모델을 학습시킴</a:t>
             </a:r>
             <a:endParaRPr lang="en-US" altLang="ko-KR" dirty="0"/>
           </a:p>
         </p:txBody>
       </p:sp>
-      <p:sp>
-        <p:nvSpPr>
-          <p:cNvPr id="10" name="제목 1">
-            <a:extLst>
-              <a:ext uri="{FF2B5EF4-FFF2-40B4-BE49-F238E27FC236}">
-                <a16:creationId xmlns:a16="http://schemas.microsoft.com/office/drawing/2014/main" id="{612CBF40-F4D2-47BC-996D-50750E785C51}"/>
-              </a:ext>
-            </a:extLst>
-          </p:cNvPr>
-          <p:cNvSpPr>
-            <a:spLocks noGrp="1"/>
-          </p:cNvSpPr>
-          <p:nvPr>
-            <p:ph type="title"/>
-          </p:nvPr>
-        </p:nvSpPr>
+      <p:pic>
+        <p:nvPicPr>
+          <p:cNvPr id="3" name="그림 2">
+            <a:extLst>
+              <a:ext uri="{FF2B5EF4-FFF2-40B4-BE49-F238E27FC236}">
+                <a16:creationId xmlns:a16="http://schemas.microsoft.com/office/drawing/2014/main" id="{F76E10E4-850F-4B73-A3DE-B44CE7EC87EF}"/>
+              </a:ext>
+            </a:extLst>
+          </p:cNvPr>
+          <p:cNvPicPr>
+            <a:picLocks noChangeAspect="1"/>
+          </p:cNvPicPr>
+          <p:nvPr/>
+        </p:nvPicPr>
+        <p:blipFill>
+          <a:blip r:embed="rId2"/>
+          <a:stretch>
+            <a:fillRect/>
+          </a:stretch>
+        </p:blipFill>
         <p:spPr>
           <a:xfrm>
-            <a:off x="838200" y="365125"/>
-            <a:ext cx="10515600" cy="1325563"/>
+            <a:off x="2873128" y="2492965"/>
+            <a:ext cx="6445743" cy="3841954"/>
           </a:xfrm>
+          <a:prstGeom prst="rect">
+            <a:avLst/>
+          </a:prstGeom>
         </p:spPr>
-        <p:txBody>
-          <a:bodyPr>
-            <a:normAutofit/>
-          </a:bodyPr>
-          <a:lstStyle/>
-          <a:p>
-            <a:r>
-              <a:rPr lang="ko-KR" altLang="en-US" sz="2800" b="1" dirty="0">
-                <a:latin typeface="나눔명조" panose="02020603020101020101" pitchFamily="18" charset="-127"/>
-                <a:ea typeface="나눔명조" panose="02020603020101020101" pitchFamily="18" charset="-127"/>
-              </a:rPr>
-              <a:t>참고자료</a:t>
-            </a:r>
-          </a:p>
-        </p:txBody>
-      </p:sp>
-      <p:sp>
-        <p:nvSpPr>
-          <p:cNvPr id="15" name="슬라이드 번호 개체 틀 14">
-            <a:extLst>
-              <a:ext uri="{FF2B5EF4-FFF2-40B4-BE49-F238E27FC236}">
-                <a16:creationId xmlns:a16="http://schemas.microsoft.com/office/drawing/2014/main" id="{EA7B0DFB-FD88-4A1E-9627-0667BBF95C76}"/>
-              </a:ext>
-            </a:extLst>
-          </p:cNvPr>
-          <p:cNvSpPr>
-            <a:spLocks noGrp="1"/>
-          </p:cNvSpPr>
-          <p:nvPr>
-            <p:ph type="sldNum" sz="quarter" idx="12"/>
-          </p:nvPr>
-        </p:nvSpPr>
-        <p:spPr/>
-        <p:txBody>
-          <a:bodyPr/>
-          <a:lstStyle/>
-          <a:p>
-            <a:fld id="{F59478C8-4D3E-436D-90D9-DCABC619F031}" type="slidenum">
-              <a:rPr lang="ko-KR" altLang="en-US" smtClean="0"/>
-              <a:t>15</a:t>
-            </a:fld>
-            <a:endParaRPr lang="ko-KR" altLang="en-US"/>
-          </a:p>
-        </p:txBody>
-      </p:sp>
+      </p:pic>
     </p:spTree>
     <p:extLst>
       <p:ext uri="{BB962C8B-B14F-4D97-AF65-F5344CB8AC3E}">
-        <p14:creationId xmlns:p14="http://schemas.microsoft.com/office/powerpoint/2010/main" val="2627016248"/>
+        <p14:creationId xmlns:p14="http://schemas.microsoft.com/office/powerpoint/2010/main" val="3358191009"/>
+      </p:ext>
+    </p:extLst>
+  </p:cSld>
+  <p:clrMapOvr>
+    <a:masterClrMapping/>
+  </p:clrMapOvr>
+</p:sld>
+</file>
+
+<file path=ppt/slides/slide16.xml><?xml version="1.0" encoding="utf-8"?>
+<p:sld xmlns:a="http://schemas.openxmlformats.org/drawingml/2006/main" xmlns:r="http://schemas.openxmlformats.org/officeDocument/2006/relationships" xmlns:p="http://schemas.openxmlformats.org/presentationml/2006/main">
+  <p:cSld>
+    <p:spTree>
+      <p:nvGrpSpPr>
+        <p:cNvPr id="1" name=""/>
+        <p:cNvGrpSpPr/>
+        <p:nvPr/>
+      </p:nvGrpSpPr>
+      <p:grpSpPr>
+        <a:xfrm>
+          <a:off x="0" y="0"/>
+          <a:ext cx="0" cy="0"/>
+          <a:chOff x="0" y="0"/>
+          <a:chExt cx="0" cy="0"/>
+        </a:xfrm>
+      </p:grpSpPr>
+      <p:sp>
+        <p:nvSpPr>
+          <p:cNvPr id="2" name="제목 1">
+            <a:extLst>
+              <a:ext uri="{FF2B5EF4-FFF2-40B4-BE49-F238E27FC236}">
+                <a16:creationId xmlns:a16="http://schemas.microsoft.com/office/drawing/2014/main" id="{DE9744D8-88AF-44EB-B0A4-9084CDE1A01E}"/>
+              </a:ext>
+            </a:extLst>
+          </p:cNvPr>
+          <p:cNvSpPr>
+            <a:spLocks noGrp="1"/>
+          </p:cNvSpPr>
+          <p:nvPr>
+            <p:ph type="title"/>
+          </p:nvPr>
+        </p:nvSpPr>
+        <p:spPr/>
+        <p:txBody>
+          <a:bodyPr/>
+          <a:lstStyle/>
+          <a:p>
+            <a:r>
+              <a:rPr lang="en-US" altLang="ko-KR" dirty="0"/>
+              <a:t>Adaptive Boosting(2)</a:t>
+            </a:r>
+          </a:p>
+        </p:txBody>
+      </p:sp>
+      <p:sp>
+        <p:nvSpPr>
+          <p:cNvPr id="4" name="슬라이드 번호 개체 틀 3">
+            <a:extLst>
+              <a:ext uri="{FF2B5EF4-FFF2-40B4-BE49-F238E27FC236}">
+                <a16:creationId xmlns:a16="http://schemas.microsoft.com/office/drawing/2014/main" id="{1999B884-51A5-4CF5-883A-72D52B085E67}"/>
+              </a:ext>
+            </a:extLst>
+          </p:cNvPr>
+          <p:cNvSpPr>
+            <a:spLocks noGrp="1"/>
+          </p:cNvSpPr>
+          <p:nvPr>
+            <p:ph type="sldNum" sz="quarter" idx="12"/>
+          </p:nvPr>
+        </p:nvSpPr>
+        <p:spPr/>
+        <p:txBody>
+          <a:bodyPr/>
+          <a:lstStyle/>
+          <a:p>
+            <a:fld id="{F59478C8-4D3E-436D-90D9-DCABC619F031}" type="slidenum">
+              <a:rPr lang="ko-KR" altLang="en-US" smtClean="0"/>
+              <a:pPr/>
+              <a:t>16</a:t>
+            </a:fld>
+            <a:endParaRPr lang="ko-KR" altLang="en-US"/>
+          </a:p>
+        </p:txBody>
+      </p:sp>
+      <mc:AlternateContent xmlns:mc="http://schemas.openxmlformats.org/markup-compatibility/2006">
+        <mc:Choice xmlns:a14="http://schemas.microsoft.com/office/drawing/2010/main" Requires="a14">
+          <p:sp>
+            <p:nvSpPr>
+              <p:cNvPr id="5" name="내용 개체 틀 4">
+                <a:extLst>
+                  <a:ext uri="{FF2B5EF4-FFF2-40B4-BE49-F238E27FC236}">
+                    <a16:creationId xmlns:a16="http://schemas.microsoft.com/office/drawing/2014/main" id="{A64F563A-E924-42BD-A372-6F6A0B151BB9}"/>
+                  </a:ext>
+                </a:extLst>
+              </p:cNvPr>
+              <p:cNvSpPr>
+                <a:spLocks noGrp="1"/>
+              </p:cNvSpPr>
+              <p:nvPr>
+                <p:ph idx="1"/>
+              </p:nvPr>
+            </p:nvSpPr>
+            <p:spPr>
+              <a:xfrm>
+                <a:off x="838200" y="1825624"/>
+                <a:ext cx="10515600" cy="4961069"/>
+              </a:xfrm>
+            </p:spPr>
+            <p:txBody>
+              <a:bodyPr>
+                <a:normAutofit/>
+              </a:bodyPr>
+              <a:lstStyle/>
+              <a:p>
+                <a:r>
+                  <a:rPr lang="en-US" altLang="ko-KR" dirty="0"/>
+                  <a:t>m</a:t>
+                </a:r>
+                <a:r>
+                  <a:rPr lang="ko-KR" altLang="en-US" dirty="0"/>
+                  <a:t>개의 훈련 데이터가 있다고 했을 때</a:t>
+                </a:r>
+                <a:r>
+                  <a:rPr lang="en-US" altLang="ko-KR" dirty="0"/>
+                  <a:t>, </a:t>
+                </a:r>
+                <a:r>
+                  <a:rPr lang="ko-KR" altLang="en-US" dirty="0"/>
+                  <a:t>각 샘플에 가중치 </a:t>
+                </a:r>
+                <a14:m>
+                  <m:oMath xmlns:m="http://schemas.openxmlformats.org/officeDocument/2006/math">
+                    <m:sSub>
+                      <m:sSubPr>
+                        <m:ctrlPr>
+                          <a:rPr lang="en-US" altLang="ko-KR" i="1">
+                            <a:latin typeface="Cambria Math" panose="02040503050406030204" pitchFamily="18" charset="0"/>
+                          </a:rPr>
+                        </m:ctrlPr>
+                      </m:sSubPr>
+                      <m:e>
+                        <m:r>
+                          <a:rPr lang="en-US" altLang="ko-KR" i="1">
+                            <a:latin typeface="Cambria Math" panose="02040503050406030204" pitchFamily="18" charset="0"/>
+                          </a:rPr>
+                          <m:t>𝑤</m:t>
+                        </m:r>
+                      </m:e>
+                      <m:sub>
+                        <m:r>
+                          <a:rPr lang="en-US" altLang="ko-KR" i="1">
+                            <a:latin typeface="Cambria Math" panose="02040503050406030204" pitchFamily="18" charset="0"/>
+                          </a:rPr>
+                          <m:t>𝑖</m:t>
+                        </m:r>
+                      </m:sub>
+                    </m:sSub>
+                    <m:r>
+                      <a:rPr lang="en-US" altLang="ko-KR" i="1">
+                        <a:latin typeface="Cambria Math" panose="02040503050406030204" pitchFamily="18" charset="0"/>
+                      </a:rPr>
+                      <m:t> </m:t>
+                    </m:r>
+                  </m:oMath>
+                </a14:m>
+                <a:r>
+                  <a:rPr lang="ko-KR" altLang="en-US" dirty="0"/>
+                  <a:t>를 부여</a:t>
+                </a:r>
+                <a:endParaRPr lang="en-US" altLang="ko-KR" dirty="0"/>
+              </a:p>
+              <a:p>
+                <a:pPr lvl="1"/>
+                <a14:m>
+                  <m:oMath xmlns:m="http://schemas.openxmlformats.org/officeDocument/2006/math">
+                    <m:sSub>
+                      <m:sSubPr>
+                        <m:ctrlPr>
+                          <a:rPr lang="en-US" altLang="ko-KR" i="1" smtClean="0">
+                            <a:latin typeface="Cambria Math" panose="02040503050406030204" pitchFamily="18" charset="0"/>
+                          </a:rPr>
+                        </m:ctrlPr>
+                      </m:sSubPr>
+                      <m:e>
+                        <m:r>
+                          <a:rPr lang="en-US" altLang="ko-KR" i="1">
+                            <a:latin typeface="Cambria Math" panose="02040503050406030204" pitchFamily="18" charset="0"/>
+                          </a:rPr>
+                          <m:t>𝑤</m:t>
+                        </m:r>
+                      </m:e>
+                      <m:sub>
+                        <m:r>
+                          <a:rPr lang="en-US" altLang="ko-KR" i="1">
+                            <a:latin typeface="Cambria Math" panose="02040503050406030204" pitchFamily="18" charset="0"/>
+                          </a:rPr>
+                          <m:t>𝑖</m:t>
+                        </m:r>
+                      </m:sub>
+                    </m:sSub>
+                    <m:r>
+                      <a:rPr lang="en-US" altLang="ko-KR" b="0" i="0" smtClean="0">
+                        <a:latin typeface="Cambria Math" panose="02040503050406030204" pitchFamily="18" charset="0"/>
+                      </a:rPr>
+                      <m:t>= </m:t>
+                    </m:r>
+                    <m:f>
+                      <m:fPr>
+                        <m:ctrlPr>
+                          <a:rPr lang="en-US" altLang="ko-KR" b="0" i="1" smtClean="0">
+                            <a:latin typeface="Cambria Math" panose="02040503050406030204" pitchFamily="18" charset="0"/>
+                          </a:rPr>
+                        </m:ctrlPr>
+                      </m:fPr>
+                      <m:num>
+                        <m:r>
+                          <a:rPr lang="en-US" altLang="ko-KR" b="0" i="1" smtClean="0">
+                            <a:latin typeface="Cambria Math" panose="02040503050406030204" pitchFamily="18" charset="0"/>
+                          </a:rPr>
+                          <m:t>1</m:t>
+                        </m:r>
+                      </m:num>
+                      <m:den>
+                        <m:r>
+                          <a:rPr lang="en-US" altLang="ko-KR" b="0" i="1" smtClean="0">
+                            <a:latin typeface="Cambria Math" panose="02040503050406030204" pitchFamily="18" charset="0"/>
+                          </a:rPr>
+                          <m:t>𝑚</m:t>
+                        </m:r>
+                      </m:den>
+                    </m:f>
+                  </m:oMath>
+                </a14:m>
+                <a:r>
+                  <a:rPr lang="ko-KR" altLang="en-US" dirty="0"/>
+                  <a:t>로 초기화</a:t>
+                </a:r>
+                <a:endParaRPr lang="en-US" altLang="ko-KR" dirty="0"/>
+              </a:p>
+              <a:p>
+                <a:pPr lvl="1"/>
+                <a:r>
+                  <a:rPr lang="ko-KR" altLang="en-US" dirty="0"/>
+                  <a:t>예측기의 학습 결과를 기준으로 업데이트 됨</a:t>
+                </a:r>
+                <a:endParaRPr lang="en-US" altLang="ko-KR" dirty="0"/>
+              </a:p>
+              <a:p>
+                <a:pPr lvl="1"/>
+                <a:r>
+                  <a:rPr lang="ko-KR" altLang="en-US" dirty="0"/>
+                  <a:t>첫번째 예측기는 각 샘플의 가중치가 동일하므로 기존과 같은 방식으로 그냥 학습됨</a:t>
+                </a:r>
+                <a:endParaRPr lang="en-US" altLang="ko-KR" dirty="0"/>
+              </a:p>
+              <a:p>
+                <a:pPr marL="0" indent="0">
+                  <a:buNone/>
+                </a:pPr>
+                <a:endParaRPr lang="en-US" altLang="ko-KR" dirty="0"/>
+              </a:p>
+            </p:txBody>
+          </p:sp>
+        </mc:Choice>
+        <mc:Fallback>
+          <p:sp>
+            <p:nvSpPr>
+              <p:cNvPr id="5" name="내용 개체 틀 4">
+                <a:extLst>
+                  <a:ext uri="{FF2B5EF4-FFF2-40B4-BE49-F238E27FC236}">
+                    <a16:creationId xmlns:a16="http://schemas.microsoft.com/office/drawing/2014/main" id="{A64F563A-E924-42BD-A372-6F6A0B151BB9}"/>
+                  </a:ext>
+                </a:extLst>
+              </p:cNvPr>
+              <p:cNvSpPr>
+                <a:spLocks noGrp="1" noRot="1" noChangeAspect="1" noMove="1" noResize="1" noEditPoints="1" noAdjustHandles="1" noChangeArrowheads="1" noChangeShapeType="1" noTextEdit="1"/>
+              </p:cNvSpPr>
+              <p:nvPr>
+                <p:ph idx="1"/>
+              </p:nvPr>
+            </p:nvSpPr>
+            <p:spPr>
+              <a:xfrm>
+                <a:off x="838200" y="1825624"/>
+                <a:ext cx="10515600" cy="4961069"/>
+              </a:xfrm>
+              <a:blipFill>
+                <a:blip r:embed="rId2"/>
+                <a:stretch>
+                  <a:fillRect l="-522" t="-1229"/>
+                </a:stretch>
+              </a:blipFill>
+            </p:spPr>
+            <p:txBody>
+              <a:bodyPr/>
+              <a:lstStyle/>
+              <a:p>
+                <a:r>
+                  <a:rPr lang="ko-KR" altLang="en-US">
+                    <a:noFill/>
+                  </a:rPr>
+                  <a:t> </a:t>
+                </a:r>
+              </a:p>
+            </p:txBody>
+          </p:sp>
+        </mc:Fallback>
+      </mc:AlternateContent>
+    </p:spTree>
+    <p:extLst>
+      <p:ext uri="{BB962C8B-B14F-4D97-AF65-F5344CB8AC3E}">
+        <p14:creationId xmlns:p14="http://schemas.microsoft.com/office/powerpoint/2010/main" val="2369906495"/>
+      </p:ext>
+    </p:extLst>
+  </p:cSld>
+  <p:clrMapOvr>
+    <a:masterClrMapping/>
+  </p:clrMapOvr>
+</p:sld>
+</file>
+
+<file path=ppt/slides/slide17.xml><?xml version="1.0" encoding="utf-8"?>
+<p:sld xmlns:a="http://schemas.openxmlformats.org/drawingml/2006/main" xmlns:r="http://schemas.openxmlformats.org/officeDocument/2006/relationships" xmlns:p="http://schemas.openxmlformats.org/presentationml/2006/main">
+  <p:cSld>
+    <p:spTree>
+      <p:nvGrpSpPr>
+        <p:cNvPr id="1" name=""/>
+        <p:cNvGrpSpPr/>
+        <p:nvPr/>
+      </p:nvGrpSpPr>
+      <p:grpSpPr>
+        <a:xfrm>
+          <a:off x="0" y="0"/>
+          <a:ext cx="0" cy="0"/>
+          <a:chOff x="0" y="0"/>
+          <a:chExt cx="0" cy="0"/>
+        </a:xfrm>
+      </p:grpSpPr>
+      <p:sp>
+        <p:nvSpPr>
+          <p:cNvPr id="2" name="제목 1">
+            <a:extLst>
+              <a:ext uri="{FF2B5EF4-FFF2-40B4-BE49-F238E27FC236}">
+                <a16:creationId xmlns:a16="http://schemas.microsoft.com/office/drawing/2014/main" id="{DE9744D8-88AF-44EB-B0A4-9084CDE1A01E}"/>
+              </a:ext>
+            </a:extLst>
+          </p:cNvPr>
+          <p:cNvSpPr>
+            <a:spLocks noGrp="1"/>
+          </p:cNvSpPr>
+          <p:nvPr>
+            <p:ph type="title"/>
+          </p:nvPr>
+        </p:nvSpPr>
+        <p:spPr/>
+        <p:txBody>
+          <a:bodyPr/>
+          <a:lstStyle/>
+          <a:p>
+            <a:r>
+              <a:rPr lang="en-US" altLang="ko-KR" dirty="0"/>
+              <a:t>Adaptive Boosting(3)</a:t>
+            </a:r>
+          </a:p>
+        </p:txBody>
+      </p:sp>
+      <p:sp>
+        <p:nvSpPr>
+          <p:cNvPr id="4" name="슬라이드 번호 개체 틀 3">
+            <a:extLst>
+              <a:ext uri="{FF2B5EF4-FFF2-40B4-BE49-F238E27FC236}">
+                <a16:creationId xmlns:a16="http://schemas.microsoft.com/office/drawing/2014/main" id="{1999B884-51A5-4CF5-883A-72D52B085E67}"/>
+              </a:ext>
+            </a:extLst>
+          </p:cNvPr>
+          <p:cNvSpPr>
+            <a:spLocks noGrp="1"/>
+          </p:cNvSpPr>
+          <p:nvPr>
+            <p:ph type="sldNum" sz="quarter" idx="12"/>
+          </p:nvPr>
+        </p:nvSpPr>
+        <p:spPr/>
+        <p:txBody>
+          <a:bodyPr/>
+          <a:lstStyle/>
+          <a:p>
+            <a:fld id="{F59478C8-4D3E-436D-90D9-DCABC619F031}" type="slidenum">
+              <a:rPr lang="ko-KR" altLang="en-US" smtClean="0"/>
+              <a:pPr/>
+              <a:t>17</a:t>
+            </a:fld>
+            <a:endParaRPr lang="ko-KR" altLang="en-US"/>
+          </a:p>
+        </p:txBody>
+      </p:sp>
+      <mc:AlternateContent xmlns:mc="http://schemas.openxmlformats.org/markup-compatibility/2006">
+        <mc:Choice xmlns:a14="http://schemas.microsoft.com/office/drawing/2010/main" Requires="a14">
+          <p:sp>
+            <p:nvSpPr>
+              <p:cNvPr id="5" name="내용 개체 틀 4">
+                <a:extLst>
+                  <a:ext uri="{FF2B5EF4-FFF2-40B4-BE49-F238E27FC236}">
+                    <a16:creationId xmlns:a16="http://schemas.microsoft.com/office/drawing/2014/main" id="{A64F563A-E924-42BD-A372-6F6A0B151BB9}"/>
+                  </a:ext>
+                </a:extLst>
+              </p:cNvPr>
+              <p:cNvSpPr>
+                <a:spLocks noGrp="1"/>
+              </p:cNvSpPr>
+              <p:nvPr>
+                <p:ph idx="1"/>
+              </p:nvPr>
+            </p:nvSpPr>
+            <p:spPr>
+              <a:xfrm>
+                <a:off x="838200" y="1825624"/>
+                <a:ext cx="10515600" cy="4961069"/>
+              </a:xfrm>
+            </p:spPr>
+            <p:txBody>
+              <a:bodyPr>
+                <a:normAutofit fontScale="92500" lnSpcReduction="10000"/>
+              </a:bodyPr>
+              <a:lstStyle/>
+              <a:p>
+                <a14:m>
+                  <m:oMath xmlns:m="http://schemas.openxmlformats.org/officeDocument/2006/math">
+                    <m:sSub>
+                      <m:sSubPr>
+                        <m:ctrlPr>
+                          <a:rPr lang="en-US" altLang="ko-KR" i="1" smtClean="0">
+                            <a:latin typeface="Cambria Math" panose="02040503050406030204" pitchFamily="18" charset="0"/>
+                          </a:rPr>
+                        </m:ctrlPr>
+                      </m:sSubPr>
+                      <m:e>
+                        <m:r>
+                          <a:rPr lang="en-US" altLang="ko-KR" i="1">
+                            <a:latin typeface="Cambria Math" panose="02040503050406030204" pitchFamily="18" charset="0"/>
+                          </a:rPr>
+                          <m:t>𝑟</m:t>
+                        </m:r>
+                      </m:e>
+                      <m:sub>
+                        <m:r>
+                          <a:rPr lang="en-US" altLang="ko-KR" i="1">
+                            <a:latin typeface="Cambria Math" panose="02040503050406030204" pitchFamily="18" charset="0"/>
+                          </a:rPr>
+                          <m:t>𝑗</m:t>
+                        </m:r>
+                      </m:sub>
+                    </m:sSub>
+                    <m:r>
+                      <a:rPr lang="en-US" altLang="ko-KR" i="1">
+                        <a:latin typeface="Cambria Math" panose="02040503050406030204" pitchFamily="18" charset="0"/>
+                      </a:rPr>
+                      <m:t>=</m:t>
+                    </m:r>
+                    <m:f>
+                      <m:fPr>
+                        <m:ctrlPr>
+                          <a:rPr lang="en-US" altLang="ko-KR" i="1">
+                            <a:latin typeface="Cambria Math" panose="02040503050406030204" pitchFamily="18" charset="0"/>
+                          </a:rPr>
+                        </m:ctrlPr>
+                      </m:fPr>
+                      <m:num>
+                        <m:nary>
+                          <m:naryPr>
+                            <m:chr m:val="∑"/>
+                            <m:ctrlPr>
+                              <a:rPr lang="en-US" altLang="ko-KR" i="1">
+                                <a:latin typeface="Cambria Math" panose="02040503050406030204" pitchFamily="18" charset="0"/>
+                              </a:rPr>
+                            </m:ctrlPr>
+                          </m:naryPr>
+                          <m:sub>
+                            <m:r>
+                              <m:rPr>
+                                <m:brk m:alnAt="23"/>
+                              </m:rPr>
+                              <a:rPr lang="en-US" altLang="ko-KR" i="1">
+                                <a:latin typeface="Cambria Math" panose="02040503050406030204" pitchFamily="18" charset="0"/>
+                              </a:rPr>
+                              <m:t>𝑖</m:t>
+                            </m:r>
+                            <m:r>
+                              <a:rPr lang="en-US" altLang="ko-KR" i="1">
+                                <a:latin typeface="Cambria Math" panose="02040503050406030204" pitchFamily="18" charset="0"/>
+                              </a:rPr>
+                              <m:t>=1</m:t>
+                            </m:r>
+                          </m:sub>
+                          <m:sup>
+                            <m:r>
+                              <a:rPr lang="en-US" altLang="ko-KR" i="1">
+                                <a:latin typeface="Cambria Math" panose="02040503050406030204" pitchFamily="18" charset="0"/>
+                              </a:rPr>
+                              <m:t>𝑚</m:t>
+                            </m:r>
+                          </m:sup>
+                          <m:e>
+                            <m:sSub>
+                              <m:sSubPr>
+                                <m:ctrlPr>
+                                  <a:rPr lang="en-US" altLang="ko-KR" i="1">
+                                    <a:latin typeface="Cambria Math" panose="02040503050406030204" pitchFamily="18" charset="0"/>
+                                  </a:rPr>
+                                </m:ctrlPr>
+                              </m:sSubPr>
+                              <m:e>
+                                <m:r>
+                                  <a:rPr lang="en-US" altLang="ko-KR" i="1">
+                                    <a:latin typeface="Cambria Math" panose="02040503050406030204" pitchFamily="18" charset="0"/>
+                                  </a:rPr>
+                                  <m:t>𝑤</m:t>
+                                </m:r>
+                              </m:e>
+                              <m:sub>
+                                <m:r>
+                                  <a:rPr lang="en-US" altLang="ko-KR" i="1">
+                                    <a:latin typeface="Cambria Math" panose="02040503050406030204" pitchFamily="18" charset="0"/>
+                                  </a:rPr>
+                                  <m:t>𝑖</m:t>
+                                </m:r>
+                              </m:sub>
+                            </m:sSub>
+                          </m:e>
+                        </m:nary>
+                        <m:r>
+                          <a:rPr lang="en-US" altLang="ko-KR" i="1">
+                            <a:latin typeface="Cambria Math" panose="02040503050406030204" pitchFamily="18" charset="0"/>
+                          </a:rPr>
+                          <m:t> ∗</m:t>
+                        </m:r>
+                        <m:r>
+                          <a:rPr lang="en-US" altLang="ko-KR" i="1">
+                            <a:latin typeface="Cambria Math" panose="02040503050406030204" pitchFamily="18" charset="0"/>
+                          </a:rPr>
+                          <m:t>𝐼</m:t>
+                        </m:r>
+                        <m:r>
+                          <a:rPr lang="en-US" altLang="ko-KR" i="1">
+                            <a:latin typeface="Cambria Math" panose="02040503050406030204" pitchFamily="18" charset="0"/>
+                          </a:rPr>
+                          <m:t>(</m:t>
+                        </m:r>
+                        <m:sSubSup>
+                          <m:sSubSupPr>
+                            <m:ctrlPr>
+                              <a:rPr lang="en-US" altLang="ko-KR" i="1">
+                                <a:latin typeface="Cambria Math" panose="02040503050406030204" pitchFamily="18" charset="0"/>
+                              </a:rPr>
+                            </m:ctrlPr>
+                          </m:sSubSupPr>
+                          <m:e>
+                            <m:acc>
+                              <m:accPr>
+                                <m:chr m:val="̂"/>
+                                <m:ctrlPr>
+                                  <a:rPr lang="en-US" altLang="ko-KR" i="1">
+                                    <a:latin typeface="Cambria Math" panose="02040503050406030204" pitchFamily="18" charset="0"/>
+                                  </a:rPr>
+                                </m:ctrlPr>
+                              </m:accPr>
+                              <m:e>
+                                <m:r>
+                                  <a:rPr lang="en-US" altLang="ko-KR" i="1">
+                                    <a:latin typeface="Cambria Math" panose="02040503050406030204" pitchFamily="18" charset="0"/>
+                                  </a:rPr>
+                                  <m:t>𝑦</m:t>
+                                </m:r>
+                              </m:e>
+                            </m:acc>
+                          </m:e>
+                          <m:sub>
+                            <m:r>
+                              <a:rPr lang="en-US" altLang="ko-KR" i="1">
+                                <a:latin typeface="Cambria Math" panose="02040503050406030204" pitchFamily="18" charset="0"/>
+                              </a:rPr>
+                              <m:t>𝑖</m:t>
+                            </m:r>
+                          </m:sub>
+                          <m:sup>
+                            <m:r>
+                              <a:rPr lang="en-US" altLang="ko-KR" i="1">
+                                <a:latin typeface="Cambria Math" panose="02040503050406030204" pitchFamily="18" charset="0"/>
+                              </a:rPr>
+                              <m:t>(</m:t>
+                            </m:r>
+                            <m:r>
+                              <a:rPr lang="en-US" altLang="ko-KR" i="1">
+                                <a:latin typeface="Cambria Math" panose="02040503050406030204" pitchFamily="18" charset="0"/>
+                              </a:rPr>
+                              <m:t>𝑗</m:t>
+                            </m:r>
+                            <m:r>
+                              <a:rPr lang="en-US" altLang="ko-KR" i="1">
+                                <a:latin typeface="Cambria Math" panose="02040503050406030204" pitchFamily="18" charset="0"/>
+                              </a:rPr>
+                              <m:t>)</m:t>
+                            </m:r>
+                          </m:sup>
+                        </m:sSubSup>
+                        <m:r>
+                          <a:rPr lang="en-US" altLang="ko-KR" i="1">
+                            <a:latin typeface="Cambria Math" panose="02040503050406030204" pitchFamily="18" charset="0"/>
+                          </a:rPr>
+                          <m:t>−</m:t>
+                        </m:r>
+                        <m:sSub>
+                          <m:sSubPr>
+                            <m:ctrlPr>
+                              <a:rPr lang="en-US" altLang="ko-KR" i="1">
+                                <a:latin typeface="Cambria Math" panose="02040503050406030204" pitchFamily="18" charset="0"/>
+                              </a:rPr>
+                            </m:ctrlPr>
+                          </m:sSubPr>
+                          <m:e>
+                            <m:r>
+                              <a:rPr lang="en-US" altLang="ko-KR" i="1">
+                                <a:latin typeface="Cambria Math" panose="02040503050406030204" pitchFamily="18" charset="0"/>
+                              </a:rPr>
+                              <m:t>𝑦</m:t>
+                            </m:r>
+                          </m:e>
+                          <m:sub>
+                            <m:r>
+                              <a:rPr lang="en-US" altLang="ko-KR" i="1">
+                                <a:latin typeface="Cambria Math" panose="02040503050406030204" pitchFamily="18" charset="0"/>
+                              </a:rPr>
+                              <m:t>𝑖</m:t>
+                            </m:r>
+                          </m:sub>
+                        </m:sSub>
+                        <m:r>
+                          <a:rPr lang="en-US" altLang="ko-KR" i="1">
+                            <a:latin typeface="Cambria Math" panose="02040503050406030204" pitchFamily="18" charset="0"/>
+                          </a:rPr>
+                          <m:t>)</m:t>
+                        </m:r>
+                      </m:num>
+                      <m:den>
+                        <m:nary>
+                          <m:naryPr>
+                            <m:chr m:val="∑"/>
+                            <m:ctrlPr>
+                              <a:rPr lang="en-US" altLang="ko-KR" i="1">
+                                <a:latin typeface="Cambria Math" panose="02040503050406030204" pitchFamily="18" charset="0"/>
+                              </a:rPr>
+                            </m:ctrlPr>
+                          </m:naryPr>
+                          <m:sub>
+                            <m:r>
+                              <m:rPr>
+                                <m:brk m:alnAt="23"/>
+                              </m:rPr>
+                              <a:rPr lang="en-US" altLang="ko-KR" i="1">
+                                <a:latin typeface="Cambria Math" panose="02040503050406030204" pitchFamily="18" charset="0"/>
+                              </a:rPr>
+                              <m:t>𝑖</m:t>
+                            </m:r>
+                            <m:r>
+                              <a:rPr lang="en-US" altLang="ko-KR" i="1">
+                                <a:latin typeface="Cambria Math" panose="02040503050406030204" pitchFamily="18" charset="0"/>
+                              </a:rPr>
+                              <m:t>=1</m:t>
+                            </m:r>
+                          </m:sub>
+                          <m:sup>
+                            <m:r>
+                              <a:rPr lang="en-US" altLang="ko-KR" i="1">
+                                <a:latin typeface="Cambria Math" panose="02040503050406030204" pitchFamily="18" charset="0"/>
+                              </a:rPr>
+                              <m:t>𝑚</m:t>
+                            </m:r>
+                          </m:sup>
+                          <m:e>
+                            <m:sSub>
+                              <m:sSubPr>
+                                <m:ctrlPr>
+                                  <a:rPr lang="en-US" altLang="ko-KR" i="1">
+                                    <a:latin typeface="Cambria Math" panose="02040503050406030204" pitchFamily="18" charset="0"/>
+                                  </a:rPr>
+                                </m:ctrlPr>
+                              </m:sSubPr>
+                              <m:e>
+                                <m:r>
+                                  <a:rPr lang="en-US" altLang="ko-KR" i="1">
+                                    <a:latin typeface="Cambria Math" panose="02040503050406030204" pitchFamily="18" charset="0"/>
+                                  </a:rPr>
+                                  <m:t>𝑤</m:t>
+                                </m:r>
+                              </m:e>
+                              <m:sub>
+                                <m:r>
+                                  <a:rPr lang="en-US" altLang="ko-KR" i="1">
+                                    <a:latin typeface="Cambria Math" panose="02040503050406030204" pitchFamily="18" charset="0"/>
+                                  </a:rPr>
+                                  <m:t>𝑖</m:t>
+                                </m:r>
+                              </m:sub>
+                            </m:sSub>
+                          </m:e>
+                        </m:nary>
+                      </m:den>
+                    </m:f>
+                    <m:r>
+                      <a:rPr lang="en-US" altLang="ko-KR" b="0" i="1" smtClean="0">
+                        <a:latin typeface="Cambria Math" panose="02040503050406030204" pitchFamily="18" charset="0"/>
+                      </a:rPr>
+                      <m:t>=</m:t>
+                    </m:r>
+                    <m:f>
+                      <m:fPr>
+                        <m:ctrlPr>
+                          <a:rPr lang="en-US" altLang="ko-KR" b="0" i="1" smtClean="0">
+                            <a:latin typeface="Cambria Math" panose="02040503050406030204" pitchFamily="18" charset="0"/>
+                          </a:rPr>
+                        </m:ctrlPr>
+                      </m:fPr>
+                      <m:num>
+                        <m:r>
+                          <a:rPr lang="ko-KR" altLang="en-US" i="1">
+                            <a:latin typeface="Cambria Math" panose="02040503050406030204" pitchFamily="18" charset="0"/>
+                          </a:rPr>
+                          <m:t>틀</m:t>
+                        </m:r>
+                        <m:r>
+                          <a:rPr lang="ko-KR" altLang="en-US" i="1" smtClean="0">
+                            <a:latin typeface="Cambria Math" panose="02040503050406030204" pitchFamily="18" charset="0"/>
+                          </a:rPr>
+                          <m:t>린</m:t>
+                        </m:r>
+                        <m:r>
+                          <a:rPr lang="en-US" altLang="ko-KR" b="0" i="1" smtClean="0">
+                            <a:latin typeface="Cambria Math" panose="02040503050406030204" pitchFamily="18" charset="0"/>
+                          </a:rPr>
+                          <m:t> </m:t>
+                        </m:r>
+                        <m:r>
+                          <a:rPr lang="ko-KR" altLang="en-US" i="1">
+                            <a:latin typeface="Cambria Math" panose="02040503050406030204" pitchFamily="18" charset="0"/>
+                          </a:rPr>
+                          <m:t>샘</m:t>
+                        </m:r>
+                        <m:r>
+                          <a:rPr lang="ko-KR" altLang="en-US" i="1" smtClean="0">
+                            <a:latin typeface="Cambria Math" panose="02040503050406030204" pitchFamily="18" charset="0"/>
+                          </a:rPr>
+                          <m:t>플</m:t>
+                        </m:r>
+                        <m:r>
+                          <a:rPr lang="ko-KR" altLang="en-US" i="1">
+                            <a:latin typeface="Cambria Math" panose="02040503050406030204" pitchFamily="18" charset="0"/>
+                          </a:rPr>
+                          <m:t>의</m:t>
+                        </m:r>
+                        <m:r>
+                          <a:rPr lang="en-US" altLang="ko-KR" b="0" i="1" smtClean="0">
+                            <a:latin typeface="Cambria Math" panose="02040503050406030204" pitchFamily="18" charset="0"/>
+                          </a:rPr>
+                          <m:t> </m:t>
+                        </m:r>
+                        <m:r>
+                          <a:rPr lang="ko-KR" altLang="en-US" i="1">
+                            <a:latin typeface="Cambria Math" panose="02040503050406030204" pitchFamily="18" charset="0"/>
+                          </a:rPr>
+                          <m:t>가</m:t>
+                        </m:r>
+                        <m:r>
+                          <a:rPr lang="ko-KR" altLang="en-US" i="1" smtClean="0">
+                            <a:latin typeface="Cambria Math" panose="02040503050406030204" pitchFamily="18" charset="0"/>
+                          </a:rPr>
+                          <m:t>중</m:t>
+                        </m:r>
+                        <m:r>
+                          <a:rPr lang="ko-KR" altLang="en-US" i="1">
+                            <a:latin typeface="Cambria Math" panose="02040503050406030204" pitchFamily="18" charset="0"/>
+                          </a:rPr>
+                          <m:t>치</m:t>
+                        </m:r>
+                        <m:r>
+                          <a:rPr lang="en-US" altLang="ko-KR" b="0" i="1" smtClean="0">
+                            <a:latin typeface="Cambria Math" panose="02040503050406030204" pitchFamily="18" charset="0"/>
+                          </a:rPr>
+                          <m:t> </m:t>
+                        </m:r>
+                        <m:r>
+                          <a:rPr lang="ko-KR" altLang="en-US" i="1">
+                            <a:latin typeface="Cambria Math" panose="02040503050406030204" pitchFamily="18" charset="0"/>
+                          </a:rPr>
+                          <m:t>합</m:t>
+                        </m:r>
+                      </m:num>
+                      <m:den>
+                        <m:r>
+                          <a:rPr lang="ko-KR" altLang="en-US" i="1">
+                            <a:latin typeface="Cambria Math" panose="02040503050406030204" pitchFamily="18" charset="0"/>
+                          </a:rPr>
+                          <m:t>모</m:t>
+                        </m:r>
+                        <m:r>
+                          <a:rPr lang="ko-KR" altLang="en-US" i="1" smtClean="0">
+                            <a:latin typeface="Cambria Math" panose="02040503050406030204" pitchFamily="18" charset="0"/>
+                          </a:rPr>
+                          <m:t>든</m:t>
+                        </m:r>
+                        <m:r>
+                          <a:rPr lang="en-US" altLang="ko-KR" b="0" i="1" smtClean="0">
+                            <a:latin typeface="Cambria Math" panose="02040503050406030204" pitchFamily="18" charset="0"/>
+                          </a:rPr>
+                          <m:t> </m:t>
+                        </m:r>
+                        <m:r>
+                          <a:rPr lang="ko-KR" altLang="en-US" i="1">
+                            <a:latin typeface="Cambria Math" panose="02040503050406030204" pitchFamily="18" charset="0"/>
+                          </a:rPr>
+                          <m:t>샘</m:t>
+                        </m:r>
+                        <m:r>
+                          <a:rPr lang="ko-KR" altLang="en-US" i="1" smtClean="0">
+                            <a:latin typeface="Cambria Math" panose="02040503050406030204" pitchFamily="18" charset="0"/>
+                          </a:rPr>
+                          <m:t>플</m:t>
+                        </m:r>
+                        <m:r>
+                          <a:rPr lang="ko-KR" altLang="en-US" i="1">
+                            <a:latin typeface="Cambria Math" panose="02040503050406030204" pitchFamily="18" charset="0"/>
+                          </a:rPr>
+                          <m:t>의</m:t>
+                        </m:r>
+                        <m:r>
+                          <a:rPr lang="en-US" altLang="ko-KR" b="0" i="1" smtClean="0">
+                            <a:latin typeface="Cambria Math" panose="02040503050406030204" pitchFamily="18" charset="0"/>
+                          </a:rPr>
+                          <m:t> </m:t>
+                        </m:r>
+                        <m:r>
+                          <a:rPr lang="ko-KR" altLang="en-US" i="1">
+                            <a:latin typeface="Cambria Math" panose="02040503050406030204" pitchFamily="18" charset="0"/>
+                          </a:rPr>
+                          <m:t>가</m:t>
+                        </m:r>
+                        <m:r>
+                          <a:rPr lang="ko-KR" altLang="en-US" i="1" smtClean="0">
+                            <a:latin typeface="Cambria Math" panose="02040503050406030204" pitchFamily="18" charset="0"/>
+                          </a:rPr>
+                          <m:t>중</m:t>
+                        </m:r>
+                        <m:r>
+                          <a:rPr lang="ko-KR" altLang="en-US" i="1">
+                            <a:latin typeface="Cambria Math" panose="02040503050406030204" pitchFamily="18" charset="0"/>
+                          </a:rPr>
+                          <m:t>치</m:t>
+                        </m:r>
+                        <m:r>
+                          <a:rPr lang="en-US" altLang="ko-KR" b="0" i="1" smtClean="0">
+                            <a:latin typeface="Cambria Math" panose="02040503050406030204" pitchFamily="18" charset="0"/>
+                          </a:rPr>
+                          <m:t> </m:t>
+                        </m:r>
+                        <m:r>
+                          <a:rPr lang="ko-KR" altLang="en-US" i="1">
+                            <a:latin typeface="Cambria Math" panose="02040503050406030204" pitchFamily="18" charset="0"/>
+                          </a:rPr>
+                          <m:t>합</m:t>
+                        </m:r>
+                      </m:den>
+                    </m:f>
+                  </m:oMath>
+                </a14:m>
+                <a:endParaRPr lang="en-US" altLang="ko-KR" dirty="0"/>
+              </a:p>
+              <a:p>
+                <a:pPr lvl="1"/>
+                <a:r>
+                  <a:rPr lang="en-US" altLang="ko-KR" dirty="0"/>
+                  <a:t>j</a:t>
+                </a:r>
+                <a:r>
+                  <a:rPr lang="ko-KR" altLang="en-US" dirty="0"/>
+                  <a:t>번째 예측기의 가중치가 적용된 </a:t>
+                </a:r>
+                <a:r>
+                  <a:rPr lang="ko-KR" altLang="en-US" dirty="0" err="1"/>
+                  <a:t>에러율</a:t>
+                </a:r>
+                <a:endParaRPr lang="en-US" altLang="ko-KR" dirty="0"/>
+              </a:p>
+              <a:p>
+                <a:endParaRPr lang="en-US" altLang="ko-KR" b="1" dirty="0"/>
+              </a:p>
+              <a:p>
+                <a14:m>
+                  <m:oMath xmlns:m="http://schemas.openxmlformats.org/officeDocument/2006/math">
+                    <m:sSub>
+                      <m:sSubPr>
+                        <m:ctrlPr>
+                          <a:rPr lang="en-US" altLang="ko-KR" i="1">
+                            <a:latin typeface="Cambria Math" panose="02040503050406030204" pitchFamily="18" charset="0"/>
+                          </a:rPr>
+                        </m:ctrlPr>
+                      </m:sSubPr>
+                      <m:e>
+                        <m:r>
+                          <a:rPr lang="ko-KR" altLang="en-US" b="0" i="1" smtClean="0">
+                            <a:latin typeface="Cambria Math" panose="02040503050406030204" pitchFamily="18" charset="0"/>
+                          </a:rPr>
+                          <m:t>𝛼</m:t>
+                        </m:r>
+                      </m:e>
+                      <m:sub>
+                        <m:r>
+                          <a:rPr lang="en-US" altLang="ko-KR" b="0" i="1">
+                            <a:latin typeface="Cambria Math" panose="02040503050406030204" pitchFamily="18" charset="0"/>
+                          </a:rPr>
+                          <m:t>𝑗</m:t>
+                        </m:r>
+                      </m:sub>
+                    </m:sSub>
+                    <m:r>
+                      <a:rPr lang="en-US" altLang="ko-KR" b="0" i="1">
+                        <a:latin typeface="Cambria Math" panose="02040503050406030204" pitchFamily="18" charset="0"/>
+                      </a:rPr>
+                      <m:t>=</m:t>
+                    </m:r>
+                    <m:r>
+                      <a:rPr lang="ko-KR" altLang="en-US" b="0" i="1" smtClean="0">
+                        <a:latin typeface="Cambria Math" panose="02040503050406030204" pitchFamily="18" charset="0"/>
+                      </a:rPr>
+                      <m:t>𝜂</m:t>
+                    </m:r>
+                    <m:r>
+                      <a:rPr lang="en-US" altLang="ko-KR" b="0" i="1" smtClean="0">
+                        <a:latin typeface="Cambria Math" panose="02040503050406030204" pitchFamily="18" charset="0"/>
+                      </a:rPr>
+                      <m:t>𝑙𝑜𝑔</m:t>
+                    </m:r>
+                    <m:f>
+                      <m:fPr>
+                        <m:ctrlPr>
+                          <a:rPr lang="en-US" altLang="ko-KR" i="1" smtClean="0">
+                            <a:latin typeface="Cambria Math" panose="02040503050406030204" pitchFamily="18" charset="0"/>
+                          </a:rPr>
+                        </m:ctrlPr>
+                      </m:fPr>
+                      <m:num>
+                        <m:r>
+                          <a:rPr lang="en-US" altLang="ko-KR" b="0" i="1" smtClean="0">
+                            <a:latin typeface="Cambria Math" panose="02040503050406030204" pitchFamily="18" charset="0"/>
+                          </a:rPr>
+                          <m:t>1−</m:t>
+                        </m:r>
+                        <m:sSub>
+                          <m:sSubPr>
+                            <m:ctrlPr>
+                              <a:rPr lang="en-US" altLang="ko-KR" i="1">
+                                <a:latin typeface="Cambria Math" panose="02040503050406030204" pitchFamily="18" charset="0"/>
+                              </a:rPr>
+                            </m:ctrlPr>
+                          </m:sSubPr>
+                          <m:e>
+                            <m:r>
+                              <a:rPr lang="en-US" altLang="ko-KR" b="0" i="1">
+                                <a:latin typeface="Cambria Math" panose="02040503050406030204" pitchFamily="18" charset="0"/>
+                              </a:rPr>
+                              <m:t>𝑟</m:t>
+                            </m:r>
+                          </m:e>
+                          <m:sub>
+                            <m:r>
+                              <a:rPr lang="en-US" altLang="ko-KR" b="0" i="1">
+                                <a:latin typeface="Cambria Math" panose="02040503050406030204" pitchFamily="18" charset="0"/>
+                              </a:rPr>
+                              <m:t>𝑗</m:t>
+                            </m:r>
+                          </m:sub>
+                        </m:sSub>
+                      </m:num>
+                      <m:den>
+                        <m:sSub>
+                          <m:sSubPr>
+                            <m:ctrlPr>
+                              <a:rPr lang="en-US" altLang="ko-KR" i="1">
+                                <a:latin typeface="Cambria Math" panose="02040503050406030204" pitchFamily="18" charset="0"/>
+                              </a:rPr>
+                            </m:ctrlPr>
+                          </m:sSubPr>
+                          <m:e>
+                            <m:r>
+                              <a:rPr lang="en-US" altLang="ko-KR" b="0" i="1">
+                                <a:latin typeface="Cambria Math" panose="02040503050406030204" pitchFamily="18" charset="0"/>
+                              </a:rPr>
+                              <m:t>𝑟</m:t>
+                            </m:r>
+                          </m:e>
+                          <m:sub>
+                            <m:r>
+                              <a:rPr lang="en-US" altLang="ko-KR" b="0" i="1">
+                                <a:latin typeface="Cambria Math" panose="02040503050406030204" pitchFamily="18" charset="0"/>
+                              </a:rPr>
+                              <m:t>𝑗</m:t>
+                            </m:r>
+                          </m:sub>
+                        </m:sSub>
+                      </m:den>
+                    </m:f>
+                  </m:oMath>
+                </a14:m>
+                <a:endParaRPr lang="en-US" altLang="ko-KR" dirty="0"/>
+              </a:p>
+              <a:p>
+                <a:pPr lvl="1"/>
+                <a:r>
+                  <a:rPr lang="en-US" altLang="ko-KR" dirty="0"/>
+                  <a:t>j</a:t>
+                </a:r>
+                <a:r>
+                  <a:rPr lang="ko-KR" altLang="en-US" dirty="0"/>
+                  <a:t>번째 예측기의 가중치</a:t>
+                </a:r>
+                <a:endParaRPr lang="en-US" altLang="ko-KR" dirty="0"/>
+              </a:p>
+              <a:p>
+                <a:pPr lvl="1"/>
+                <a:endParaRPr lang="en-US" altLang="ko-KR" dirty="0"/>
+              </a:p>
+              <a:p>
+                <a14:m>
+                  <m:oMath xmlns:m="http://schemas.openxmlformats.org/officeDocument/2006/math">
+                    <m:sSub>
+                      <m:sSubPr>
+                        <m:ctrlPr>
+                          <a:rPr lang="en-US" altLang="ko-KR" i="1">
+                            <a:latin typeface="Cambria Math" panose="02040503050406030204" pitchFamily="18" charset="0"/>
+                          </a:rPr>
+                        </m:ctrlPr>
+                      </m:sSubPr>
+                      <m:e>
+                        <m:r>
+                          <a:rPr lang="en-US" altLang="ko-KR" b="0" i="1" smtClean="0">
+                            <a:latin typeface="Cambria Math" panose="02040503050406030204" pitchFamily="18" charset="0"/>
+                          </a:rPr>
+                          <m:t>𝑤</m:t>
+                        </m:r>
+                      </m:e>
+                      <m:sub>
+                        <m:r>
+                          <a:rPr lang="en-US" altLang="ko-KR" b="0" i="1" smtClean="0">
+                            <a:latin typeface="Cambria Math" panose="02040503050406030204" pitchFamily="18" charset="0"/>
+                          </a:rPr>
+                          <m:t>𝑖</m:t>
+                        </m:r>
+                      </m:sub>
+                    </m:sSub>
+                    <m:r>
+                      <a:rPr lang="en-US" altLang="ko-KR" b="0" i="1" smtClean="0">
+                        <a:latin typeface="Cambria Math" panose="02040503050406030204" pitchFamily="18" charset="0"/>
+                      </a:rPr>
+                      <m:t> </m:t>
+                    </m:r>
+                    <m:r>
+                      <a:rPr lang="ko-KR" altLang="en-US" i="1">
+                        <a:latin typeface="Cambria Math" panose="02040503050406030204" pitchFamily="18" charset="0"/>
+                      </a:rPr>
+                      <m:t>업</m:t>
+                    </m:r>
+                  </m:oMath>
+                </a14:m>
+                <a:r>
+                  <a:rPr lang="ko-KR" altLang="en-US" dirty="0"/>
+                  <a:t>데이트 규칙</a:t>
+                </a:r>
+                <a:r>
+                  <a:rPr lang="en-US" altLang="ko-KR" dirty="0"/>
+                  <a:t>(j</a:t>
+                </a:r>
+                <a:r>
+                  <a:rPr lang="ko-KR" altLang="en-US" dirty="0"/>
+                  <a:t>번째 예측기의 학습이 끝난 후</a:t>
+                </a:r>
+                <a:r>
+                  <a:rPr lang="en-US" altLang="ko-KR" dirty="0"/>
+                  <a:t>)</a:t>
+                </a:r>
+              </a:p>
+              <a:p>
+                <a:pPr lvl="1"/>
+                <a:r>
+                  <a:rPr lang="en-US" altLang="ko-KR" dirty="0" err="1"/>
+                  <a:t>i</a:t>
+                </a:r>
+                <a:r>
+                  <a:rPr lang="ko-KR" altLang="en-US" dirty="0"/>
+                  <a:t>번째 샘플을 맞췄다면 그대로</a:t>
+                </a:r>
+                <a:endParaRPr lang="en-US" altLang="ko-KR" dirty="0"/>
+              </a:p>
+              <a:p>
+                <a:pPr lvl="1"/>
+                <a:r>
+                  <a:rPr lang="en-US" altLang="ko-KR" dirty="0"/>
+                  <a:t>i</a:t>
+                </a:r>
+                <a:r>
+                  <a:rPr lang="ko-KR" altLang="en-US" dirty="0"/>
+                  <a:t>번째 샘플을 틀렸다면 </a:t>
+                </a:r>
+                <a14:m>
+                  <m:oMath xmlns:m="http://schemas.openxmlformats.org/officeDocument/2006/math">
+                    <m:sSub>
+                      <m:sSubPr>
+                        <m:ctrlPr>
+                          <a:rPr lang="en-US" altLang="ko-KR" i="1">
+                            <a:latin typeface="Cambria Math" panose="02040503050406030204" pitchFamily="18" charset="0"/>
+                          </a:rPr>
+                        </m:ctrlPr>
+                      </m:sSubPr>
+                      <m:e>
+                        <m:r>
+                          <a:rPr lang="en-US" altLang="ko-KR" i="1">
+                            <a:latin typeface="Cambria Math" panose="02040503050406030204" pitchFamily="18" charset="0"/>
+                          </a:rPr>
+                          <m:t>𝑤</m:t>
+                        </m:r>
+                      </m:e>
+                      <m:sub>
+                        <m:r>
+                          <a:rPr lang="en-US" altLang="ko-KR" i="1">
+                            <a:latin typeface="Cambria Math" panose="02040503050406030204" pitchFamily="18" charset="0"/>
+                          </a:rPr>
+                          <m:t>𝑖</m:t>
+                        </m:r>
+                      </m:sub>
+                    </m:sSub>
+                    <m:r>
+                      <a:rPr lang="en-US" altLang="ko-KR" i="1">
+                        <a:latin typeface="Cambria Math" panose="02040503050406030204" pitchFamily="18" charset="0"/>
+                      </a:rPr>
+                      <m:t> </m:t>
+                    </m:r>
+                    <m:sSup>
+                      <m:sSupPr>
+                        <m:ctrlPr>
+                          <a:rPr lang="en-US" altLang="ko-KR" i="1" smtClean="0">
+                            <a:latin typeface="Cambria Math" panose="02040503050406030204" pitchFamily="18" charset="0"/>
+                          </a:rPr>
+                        </m:ctrlPr>
+                      </m:sSupPr>
+                      <m:e>
+                        <m:r>
+                          <a:rPr lang="en-US" altLang="ko-KR" b="0" i="1" smtClean="0">
+                            <a:latin typeface="Cambria Math" panose="02040503050406030204" pitchFamily="18" charset="0"/>
+                          </a:rPr>
+                          <m:t>𝑒</m:t>
+                        </m:r>
+                      </m:e>
+                      <m:sup>
+                        <m:sSub>
+                          <m:sSubPr>
+                            <m:ctrlPr>
+                              <a:rPr lang="en-US" altLang="ko-KR" i="1">
+                                <a:latin typeface="Cambria Math" panose="02040503050406030204" pitchFamily="18" charset="0"/>
+                              </a:rPr>
+                            </m:ctrlPr>
+                          </m:sSubPr>
+                          <m:e>
+                            <m:r>
+                              <a:rPr lang="ko-KR" altLang="en-US" i="1" smtClean="0">
+                                <a:latin typeface="Cambria Math" panose="02040503050406030204" pitchFamily="18" charset="0"/>
+                              </a:rPr>
+                              <m:t>𝛼</m:t>
+                            </m:r>
+                          </m:e>
+                          <m:sub>
+                            <m:r>
+                              <a:rPr lang="en-US" altLang="ko-KR" b="0" i="1" smtClean="0">
+                                <a:latin typeface="Cambria Math" panose="02040503050406030204" pitchFamily="18" charset="0"/>
+                              </a:rPr>
+                              <m:t>𝑗</m:t>
+                            </m:r>
+                          </m:sub>
+                        </m:sSub>
+                      </m:sup>
+                    </m:sSup>
+                    <m:r>
+                      <a:rPr lang="ko-KR" altLang="en-US" i="1">
+                        <a:latin typeface="Cambria Math" panose="02040503050406030204" pitchFamily="18" charset="0"/>
+                      </a:rPr>
+                      <m:t>로</m:t>
+                    </m:r>
+                  </m:oMath>
+                </a14:m>
+                <a:r>
+                  <a:rPr lang="en-US" altLang="ko-KR" dirty="0"/>
+                  <a:t> </a:t>
+                </a:r>
+                <a:r>
+                  <a:rPr lang="ko-KR" altLang="en-US" dirty="0"/>
+                  <a:t>업데이트</a:t>
+                </a:r>
+                <a:endParaRPr lang="en-US" altLang="ko-KR" dirty="0"/>
+              </a:p>
+              <a:p>
+                <a:pPr lvl="1"/>
+                <a:r>
+                  <a:rPr lang="ko-KR" altLang="en-US" dirty="0"/>
+                  <a:t>그렇게 </a:t>
+                </a:r>
+                <a:r>
+                  <a:rPr lang="en-US" altLang="ko-KR" dirty="0" err="1"/>
+                  <a:t>i</a:t>
+                </a:r>
+                <a:r>
+                  <a:rPr lang="en-US" altLang="ko-KR" dirty="0"/>
+                  <a:t>=1, 2, ..., m</a:t>
+                </a:r>
+                <a:r>
+                  <a:rPr lang="ko-KR" altLang="en-US" dirty="0"/>
+                  <a:t>까지 업데이트 후 정규화</a:t>
+                </a:r>
+                <a:r>
+                  <a:rPr lang="en-US" altLang="ko-KR" dirty="0"/>
+                  <a:t>(</a:t>
+                </a:r>
+                <a:r>
+                  <a:rPr lang="ko-KR" altLang="en-US" dirty="0"/>
+                  <a:t>가중치 총합으로 각각 나눔</a:t>
+                </a:r>
+                <a:r>
+                  <a:rPr lang="en-US" altLang="ko-KR" dirty="0"/>
+                  <a:t>)</a:t>
+                </a:r>
+              </a:p>
+              <a:p>
+                <a:pPr lvl="1"/>
+                <a:endParaRPr lang="en-US" altLang="ko-KR" dirty="0"/>
+              </a:p>
+              <a:p>
+                <a:r>
+                  <a:rPr lang="ko-KR" altLang="en-US" dirty="0"/>
+                  <a:t>업데이트 된 샘플 가중치를 사용해 </a:t>
+                </a:r>
+                <a:r>
+                  <a:rPr lang="en-US" altLang="ko-KR" dirty="0"/>
+                  <a:t>j+1</a:t>
+                </a:r>
+                <a:r>
+                  <a:rPr lang="ko-KR" altLang="en-US" dirty="0"/>
+                  <a:t>번째 예측기가 학습됨</a:t>
+                </a:r>
+                <a:endParaRPr lang="en-US" altLang="ko-KR" dirty="0"/>
+              </a:p>
+              <a:p>
+                <a:pPr lvl="1"/>
+                <a:r>
+                  <a:rPr lang="ko-KR" altLang="en-US" dirty="0"/>
+                  <a:t>가중치가 큰 샘플을 최대한 잘 맞추는 방향으로 학습시킴</a:t>
+                </a:r>
+                <a:endParaRPr lang="en-US" altLang="ko-KR" dirty="0"/>
+              </a:p>
+              <a:p>
+                <a:pPr lvl="1"/>
+                <a:r>
+                  <a:rPr lang="ko-KR" altLang="en-US" dirty="0"/>
+                  <a:t>예시</a:t>
+                </a:r>
+                <a:r>
+                  <a:rPr lang="en-US" altLang="ko-KR" dirty="0"/>
+                  <a:t>) </a:t>
+                </a:r>
+                <a:r>
+                  <a:rPr lang="ko-KR" altLang="en-US" dirty="0" err="1"/>
+                  <a:t>결정트리에서</a:t>
+                </a:r>
+                <a:r>
+                  <a:rPr lang="ko-KR" altLang="en-US" dirty="0"/>
+                  <a:t> 자식의 평균불순도 최소화가 아닌</a:t>
+                </a:r>
+                <a:r>
+                  <a:rPr lang="en-US" altLang="ko-KR" dirty="0"/>
+                  <a:t>, </a:t>
+                </a:r>
+                <a:r>
+                  <a:rPr lang="ko-KR" altLang="en-US" dirty="0"/>
+                  <a:t>각 자식의 틀린 샘플의 가중치 합이 최소가 </a:t>
+                </a:r>
+                <a:r>
+                  <a:rPr lang="ko-KR" altLang="en-US" dirty="0" err="1"/>
+                  <a:t>되도록나눔</a:t>
+                </a:r>
+                <a:endParaRPr lang="en-US" altLang="ko-KR" dirty="0"/>
+              </a:p>
+            </p:txBody>
+          </p:sp>
+        </mc:Choice>
+        <mc:Fallback>
+          <p:sp>
+            <p:nvSpPr>
+              <p:cNvPr id="5" name="내용 개체 틀 4">
+                <a:extLst>
+                  <a:ext uri="{FF2B5EF4-FFF2-40B4-BE49-F238E27FC236}">
+                    <a16:creationId xmlns:a16="http://schemas.microsoft.com/office/drawing/2014/main" id="{A64F563A-E924-42BD-A372-6F6A0B151BB9}"/>
+                  </a:ext>
+                </a:extLst>
+              </p:cNvPr>
+              <p:cNvSpPr>
+                <a:spLocks noGrp="1" noRot="1" noChangeAspect="1" noMove="1" noResize="1" noEditPoints="1" noAdjustHandles="1" noChangeArrowheads="1" noChangeShapeType="1" noTextEdit="1"/>
+              </p:cNvSpPr>
+              <p:nvPr>
+                <p:ph idx="1"/>
+              </p:nvPr>
+            </p:nvSpPr>
+            <p:spPr>
+              <a:xfrm>
+                <a:off x="838200" y="1825624"/>
+                <a:ext cx="10515600" cy="4961069"/>
+              </a:xfrm>
+              <a:blipFill>
+                <a:blip r:embed="rId2"/>
+                <a:stretch>
+                  <a:fillRect l="-464" b="-614"/>
+                </a:stretch>
+              </a:blipFill>
+            </p:spPr>
+            <p:txBody>
+              <a:bodyPr/>
+              <a:lstStyle/>
+              <a:p>
+                <a:r>
+                  <a:rPr lang="ko-KR" altLang="en-US">
+                    <a:noFill/>
+                  </a:rPr>
+                  <a:t> </a:t>
+                </a:r>
+              </a:p>
+            </p:txBody>
+          </p:sp>
+        </mc:Fallback>
+      </mc:AlternateContent>
+      <p:pic>
+        <p:nvPicPr>
+          <p:cNvPr id="6" name="그림 5">
+            <a:extLst>
+              <a:ext uri="{FF2B5EF4-FFF2-40B4-BE49-F238E27FC236}">
+                <a16:creationId xmlns:a16="http://schemas.microsoft.com/office/drawing/2014/main" id="{9C445E73-3173-4B97-A408-BE9CBB2CEE93}"/>
+              </a:ext>
+            </a:extLst>
+          </p:cNvPr>
+          <p:cNvPicPr>
+            <a:picLocks noChangeAspect="1"/>
+          </p:cNvPicPr>
+          <p:nvPr/>
+        </p:nvPicPr>
+        <p:blipFill>
+          <a:blip r:embed="rId3"/>
+          <a:stretch>
+            <a:fillRect/>
+          </a:stretch>
+        </p:blipFill>
+        <p:spPr>
+          <a:xfrm>
+            <a:off x="9116058" y="1982001"/>
+            <a:ext cx="1771228" cy="4051145"/>
+          </a:xfrm>
+          <a:prstGeom prst="rect">
+            <a:avLst/>
+          </a:prstGeom>
+        </p:spPr>
+      </p:pic>
+    </p:spTree>
+    <p:extLst>
+      <p:ext uri="{BB962C8B-B14F-4D97-AF65-F5344CB8AC3E}">
+        <p14:creationId xmlns:p14="http://schemas.microsoft.com/office/powerpoint/2010/main" val="1741193225"/>
+      </p:ext>
+    </p:extLst>
+  </p:cSld>
+  <p:clrMapOvr>
+    <a:masterClrMapping/>
+  </p:clrMapOvr>
+</p:sld>
+</file>
+
+<file path=ppt/slides/slide18.xml><?xml version="1.0" encoding="utf-8"?>
+<p:sld xmlns:a="http://schemas.openxmlformats.org/drawingml/2006/main" xmlns:r="http://schemas.openxmlformats.org/officeDocument/2006/relationships" xmlns:p="http://schemas.openxmlformats.org/presentationml/2006/main">
+  <p:cSld>
+    <p:spTree>
+      <p:nvGrpSpPr>
+        <p:cNvPr id="1" name=""/>
+        <p:cNvGrpSpPr/>
+        <p:nvPr/>
+      </p:nvGrpSpPr>
+      <p:grpSpPr>
+        <a:xfrm>
+          <a:off x="0" y="0"/>
+          <a:ext cx="0" cy="0"/>
+          <a:chOff x="0" y="0"/>
+          <a:chExt cx="0" cy="0"/>
+        </a:xfrm>
+      </p:grpSpPr>
+      <p:sp>
+        <p:nvSpPr>
+          <p:cNvPr id="2" name="제목 1">
+            <a:extLst>
+              <a:ext uri="{FF2B5EF4-FFF2-40B4-BE49-F238E27FC236}">
+                <a16:creationId xmlns:a16="http://schemas.microsoft.com/office/drawing/2014/main" id="{DE9744D8-88AF-44EB-B0A4-9084CDE1A01E}"/>
+              </a:ext>
+            </a:extLst>
+          </p:cNvPr>
+          <p:cNvSpPr>
+            <a:spLocks noGrp="1"/>
+          </p:cNvSpPr>
+          <p:nvPr>
+            <p:ph type="title"/>
+          </p:nvPr>
+        </p:nvSpPr>
+        <p:spPr/>
+        <p:txBody>
+          <a:bodyPr/>
+          <a:lstStyle/>
+          <a:p>
+            <a:r>
+              <a:rPr lang="en-US" altLang="ko-KR" dirty="0"/>
+              <a:t>Adaptive Boosting(4)</a:t>
+            </a:r>
+          </a:p>
+        </p:txBody>
+      </p:sp>
+      <p:sp>
+        <p:nvSpPr>
+          <p:cNvPr id="4" name="슬라이드 번호 개체 틀 3">
+            <a:extLst>
+              <a:ext uri="{FF2B5EF4-FFF2-40B4-BE49-F238E27FC236}">
+                <a16:creationId xmlns:a16="http://schemas.microsoft.com/office/drawing/2014/main" id="{1999B884-51A5-4CF5-883A-72D52B085E67}"/>
+              </a:ext>
+            </a:extLst>
+          </p:cNvPr>
+          <p:cNvSpPr>
+            <a:spLocks noGrp="1"/>
+          </p:cNvSpPr>
+          <p:nvPr>
+            <p:ph type="sldNum" sz="quarter" idx="12"/>
+          </p:nvPr>
+        </p:nvSpPr>
+        <p:spPr/>
+        <p:txBody>
+          <a:bodyPr/>
+          <a:lstStyle/>
+          <a:p>
+            <a:fld id="{F59478C8-4D3E-436D-90D9-DCABC619F031}" type="slidenum">
+              <a:rPr lang="ko-KR" altLang="en-US" smtClean="0"/>
+              <a:pPr/>
+              <a:t>18</a:t>
+            </a:fld>
+            <a:endParaRPr lang="ko-KR" altLang="en-US"/>
+          </a:p>
+        </p:txBody>
+      </p:sp>
+      <mc:AlternateContent xmlns:mc="http://schemas.openxmlformats.org/markup-compatibility/2006">
+        <mc:Choice xmlns:a14="http://schemas.microsoft.com/office/drawing/2010/main" Requires="a14">
+          <p:sp>
+            <p:nvSpPr>
+              <p:cNvPr id="5" name="내용 개체 틀 4">
+                <a:extLst>
+                  <a:ext uri="{FF2B5EF4-FFF2-40B4-BE49-F238E27FC236}">
+                    <a16:creationId xmlns:a16="http://schemas.microsoft.com/office/drawing/2014/main" id="{A64F563A-E924-42BD-A372-6F6A0B151BB9}"/>
+                  </a:ext>
+                </a:extLst>
+              </p:cNvPr>
+              <p:cNvSpPr>
+                <a:spLocks noGrp="1"/>
+              </p:cNvSpPr>
+              <p:nvPr>
+                <p:ph idx="1"/>
+              </p:nvPr>
+            </p:nvSpPr>
+            <p:spPr>
+              <a:xfrm>
+                <a:off x="838200" y="1825624"/>
+                <a:ext cx="10515600" cy="4961069"/>
+              </a:xfrm>
+            </p:spPr>
+            <p:txBody>
+              <a:bodyPr>
+                <a:normAutofit/>
+              </a:bodyPr>
+              <a:lstStyle/>
+              <a:p>
+                <a:r>
+                  <a:rPr lang="ko-KR" altLang="en-US" dirty="0"/>
+                  <a:t>손실함수 </a:t>
+                </a:r>
+                <a:r>
+                  <a:rPr lang="en-US" altLang="ko-KR" dirty="0"/>
+                  <a:t>= </a:t>
+                </a:r>
+                <a14:m>
+                  <m:oMath xmlns:m="http://schemas.openxmlformats.org/officeDocument/2006/math">
+                    <m:nary>
+                      <m:naryPr>
+                        <m:chr m:val="∑"/>
+                        <m:ctrlPr>
+                          <a:rPr lang="en-US" altLang="ko-KR" i="1">
+                            <a:latin typeface="Cambria Math" panose="02040503050406030204" pitchFamily="18" charset="0"/>
+                          </a:rPr>
+                        </m:ctrlPr>
+                      </m:naryPr>
+                      <m:sub>
+                        <m:r>
+                          <m:rPr>
+                            <m:brk m:alnAt="23"/>
+                          </m:rPr>
+                          <a:rPr lang="en-US" altLang="ko-KR" i="1">
+                            <a:latin typeface="Cambria Math" panose="02040503050406030204" pitchFamily="18" charset="0"/>
+                          </a:rPr>
+                          <m:t>𝑖</m:t>
+                        </m:r>
+                        <m:r>
+                          <a:rPr lang="en-US" altLang="ko-KR" i="1">
+                            <a:latin typeface="Cambria Math" panose="02040503050406030204" pitchFamily="18" charset="0"/>
+                          </a:rPr>
+                          <m:t>=1</m:t>
+                        </m:r>
+                      </m:sub>
+                      <m:sup>
+                        <m:r>
+                          <a:rPr lang="en-US" altLang="ko-KR" i="1">
+                            <a:latin typeface="Cambria Math" panose="02040503050406030204" pitchFamily="18" charset="0"/>
+                          </a:rPr>
+                          <m:t>𝑚</m:t>
+                        </m:r>
+                      </m:sup>
+                      <m:e>
+                        <m:sSub>
+                          <m:sSubPr>
+                            <m:ctrlPr>
+                              <a:rPr lang="en-US" altLang="ko-KR" i="1">
+                                <a:latin typeface="Cambria Math" panose="02040503050406030204" pitchFamily="18" charset="0"/>
+                              </a:rPr>
+                            </m:ctrlPr>
+                          </m:sSubPr>
+                          <m:e>
+                            <m:r>
+                              <a:rPr lang="en-US" altLang="ko-KR" i="1">
+                                <a:latin typeface="Cambria Math" panose="02040503050406030204" pitchFamily="18" charset="0"/>
+                              </a:rPr>
+                              <m:t>𝑤</m:t>
+                            </m:r>
+                          </m:e>
+                          <m:sub>
+                            <m:r>
+                              <a:rPr lang="en-US" altLang="ko-KR" i="1">
+                                <a:latin typeface="Cambria Math" panose="02040503050406030204" pitchFamily="18" charset="0"/>
+                              </a:rPr>
+                              <m:t>𝑖</m:t>
+                            </m:r>
+                          </m:sub>
+                        </m:sSub>
+                      </m:e>
+                    </m:nary>
+                    <m:r>
+                      <a:rPr lang="en-US" altLang="ko-KR" i="1">
+                        <a:latin typeface="Cambria Math" panose="02040503050406030204" pitchFamily="18" charset="0"/>
+                      </a:rPr>
+                      <m:t> ∗</m:t>
+                    </m:r>
+                    <m:r>
+                      <a:rPr lang="en-US" altLang="ko-KR" i="1">
+                        <a:latin typeface="Cambria Math" panose="02040503050406030204" pitchFamily="18" charset="0"/>
+                      </a:rPr>
+                      <m:t>𝐼</m:t>
+                    </m:r>
+                    <m:r>
+                      <a:rPr lang="en-US" altLang="ko-KR" i="1">
+                        <a:latin typeface="Cambria Math" panose="02040503050406030204" pitchFamily="18" charset="0"/>
+                      </a:rPr>
+                      <m:t>(</m:t>
+                    </m:r>
+                    <m:sSubSup>
+                      <m:sSubSupPr>
+                        <m:ctrlPr>
+                          <a:rPr lang="en-US" altLang="ko-KR" i="1">
+                            <a:latin typeface="Cambria Math" panose="02040503050406030204" pitchFamily="18" charset="0"/>
+                          </a:rPr>
+                        </m:ctrlPr>
+                      </m:sSubSupPr>
+                      <m:e>
+                        <m:acc>
+                          <m:accPr>
+                            <m:chr m:val="̂"/>
+                            <m:ctrlPr>
+                              <a:rPr lang="en-US" altLang="ko-KR" i="1">
+                                <a:latin typeface="Cambria Math" panose="02040503050406030204" pitchFamily="18" charset="0"/>
+                              </a:rPr>
+                            </m:ctrlPr>
+                          </m:accPr>
+                          <m:e>
+                            <m:r>
+                              <a:rPr lang="en-US" altLang="ko-KR" i="1">
+                                <a:latin typeface="Cambria Math" panose="02040503050406030204" pitchFamily="18" charset="0"/>
+                              </a:rPr>
+                              <m:t>𝑦</m:t>
+                            </m:r>
+                          </m:e>
+                        </m:acc>
+                      </m:e>
+                      <m:sub>
+                        <m:r>
+                          <a:rPr lang="en-US" altLang="ko-KR" i="1">
+                            <a:latin typeface="Cambria Math" panose="02040503050406030204" pitchFamily="18" charset="0"/>
+                          </a:rPr>
+                          <m:t>𝑖</m:t>
+                        </m:r>
+                      </m:sub>
+                      <m:sup>
+                        <m:r>
+                          <a:rPr lang="en-US" altLang="ko-KR" i="1">
+                            <a:latin typeface="Cambria Math" panose="02040503050406030204" pitchFamily="18" charset="0"/>
+                          </a:rPr>
+                          <m:t>(</m:t>
+                        </m:r>
+                        <m:r>
+                          <a:rPr lang="en-US" altLang="ko-KR" i="1">
+                            <a:latin typeface="Cambria Math" panose="02040503050406030204" pitchFamily="18" charset="0"/>
+                          </a:rPr>
+                          <m:t>𝑗</m:t>
+                        </m:r>
+                        <m:r>
+                          <a:rPr lang="en-US" altLang="ko-KR" i="1">
+                            <a:latin typeface="Cambria Math" panose="02040503050406030204" pitchFamily="18" charset="0"/>
+                          </a:rPr>
+                          <m:t>)</m:t>
+                        </m:r>
+                      </m:sup>
+                    </m:sSubSup>
+                    <m:r>
+                      <a:rPr lang="en-US" altLang="ko-KR" i="1">
+                        <a:latin typeface="Cambria Math" panose="02040503050406030204" pitchFamily="18" charset="0"/>
+                      </a:rPr>
+                      <m:t>−</m:t>
+                    </m:r>
+                    <m:sSub>
+                      <m:sSubPr>
+                        <m:ctrlPr>
+                          <a:rPr lang="en-US" altLang="ko-KR" i="1">
+                            <a:latin typeface="Cambria Math" panose="02040503050406030204" pitchFamily="18" charset="0"/>
+                          </a:rPr>
+                        </m:ctrlPr>
+                      </m:sSubPr>
+                      <m:e>
+                        <m:r>
+                          <a:rPr lang="en-US" altLang="ko-KR" i="1">
+                            <a:latin typeface="Cambria Math" panose="02040503050406030204" pitchFamily="18" charset="0"/>
+                          </a:rPr>
+                          <m:t>𝑦</m:t>
+                        </m:r>
+                      </m:e>
+                      <m:sub>
+                        <m:r>
+                          <a:rPr lang="en-US" altLang="ko-KR" i="1">
+                            <a:latin typeface="Cambria Math" panose="02040503050406030204" pitchFamily="18" charset="0"/>
+                          </a:rPr>
+                          <m:t>𝑖</m:t>
+                        </m:r>
+                      </m:sub>
+                    </m:sSub>
+                    <m:r>
+                      <a:rPr lang="en-US" altLang="ko-KR" i="1">
+                        <a:latin typeface="Cambria Math" panose="02040503050406030204" pitchFamily="18" charset="0"/>
+                      </a:rPr>
+                      <m:t>)</m:t>
+                    </m:r>
+                  </m:oMath>
+                </a14:m>
+                <a:r>
+                  <a:rPr lang="en-US" altLang="ko-KR" dirty="0"/>
+                  <a:t> = </a:t>
+                </a:r>
+                <a:r>
+                  <a:rPr lang="ko-KR" altLang="en-US" dirty="0"/>
+                  <a:t>틀린 샘플의 가중치 합</a:t>
+                </a:r>
+                <a:endParaRPr lang="en-US" altLang="ko-KR" dirty="0"/>
+              </a:p>
+              <a:p>
+                <a:pPr lvl="1"/>
+                <a:r>
+                  <a:rPr lang="ko-KR" altLang="en-US" dirty="0"/>
+                  <a:t>이 값이 최소인 예측기를 다음 예측기로 삼음</a:t>
+                </a:r>
+                <a:endParaRPr lang="en-US" altLang="ko-KR" dirty="0"/>
+              </a:p>
+              <a:p>
+                <a:pPr lvl="1"/>
+                <a:endParaRPr lang="en-US" altLang="ko-KR" dirty="0"/>
+              </a:p>
+              <a:p>
+                <a:r>
+                  <a:rPr lang="ko-KR" altLang="en-US" dirty="0"/>
+                  <a:t>지정한 </a:t>
+                </a:r>
+                <a:r>
+                  <a:rPr lang="ko-KR" altLang="en-US" dirty="0" err="1"/>
+                  <a:t>예측기</a:t>
+                </a:r>
+                <a:r>
+                  <a:rPr lang="ko-KR" altLang="en-US" dirty="0"/>
+                  <a:t> 수에 도달하거나 완벽한 예측기가 만들어지면 종료</a:t>
+                </a:r>
+                <a:endParaRPr lang="en-US" altLang="ko-KR" dirty="0"/>
+              </a:p>
+              <a:p>
+                <a:endParaRPr lang="en-US" altLang="ko-KR" dirty="0"/>
+              </a:p>
+              <a:p>
+                <a:r>
+                  <a:rPr lang="ko-KR" altLang="en-US" dirty="0"/>
+                  <a:t>예측 시에는 모든 예측기의 결과를 취합해 범주 별로 그 범주로 예측한 예측기의 가중치 </a:t>
+                </a:r>
+                <a14:m>
+                  <m:oMath xmlns:m="http://schemas.openxmlformats.org/officeDocument/2006/math">
+                    <m:sSub>
+                      <m:sSubPr>
+                        <m:ctrlPr>
+                          <a:rPr lang="en-US" altLang="ko-KR" i="1">
+                            <a:latin typeface="Cambria Math" panose="02040503050406030204" pitchFamily="18" charset="0"/>
+                          </a:rPr>
+                        </m:ctrlPr>
+                      </m:sSubPr>
+                      <m:e>
+                        <m:r>
+                          <a:rPr lang="ko-KR" altLang="en-US" i="1">
+                            <a:latin typeface="Cambria Math" panose="02040503050406030204" pitchFamily="18" charset="0"/>
+                          </a:rPr>
+                          <m:t>𝛼</m:t>
+                        </m:r>
+                      </m:e>
+                      <m:sub>
+                        <m:r>
+                          <a:rPr lang="en-US" altLang="ko-KR" i="1">
+                            <a:latin typeface="Cambria Math" panose="02040503050406030204" pitchFamily="18" charset="0"/>
+                          </a:rPr>
+                          <m:t>𝑗</m:t>
+                        </m:r>
+                      </m:sub>
+                    </m:sSub>
+                  </m:oMath>
+                </a14:m>
+                <a:r>
+                  <a:rPr lang="ko-KR" altLang="en-US" dirty="0"/>
+                  <a:t>의 합을 계산</a:t>
+                </a:r>
+                <a:r>
+                  <a:rPr lang="en-US" altLang="ko-KR" dirty="0"/>
+                  <a:t>,</a:t>
+                </a:r>
+                <a:r>
+                  <a:rPr lang="ko-KR" altLang="en-US" dirty="0"/>
+                  <a:t> 가중치 합이 가장 큰 범주를 최종 예측으로 삼음</a:t>
+                </a:r>
+                <a:endParaRPr lang="en-US" altLang="ko-KR" dirty="0"/>
+              </a:p>
+              <a:p>
+                <a:endParaRPr lang="en-US" altLang="ko-KR" dirty="0"/>
+              </a:p>
+            </p:txBody>
+          </p:sp>
+        </mc:Choice>
+        <mc:Fallback>
+          <p:sp>
+            <p:nvSpPr>
+              <p:cNvPr id="5" name="내용 개체 틀 4">
+                <a:extLst>
+                  <a:ext uri="{FF2B5EF4-FFF2-40B4-BE49-F238E27FC236}">
+                    <a16:creationId xmlns:a16="http://schemas.microsoft.com/office/drawing/2014/main" id="{A64F563A-E924-42BD-A372-6F6A0B151BB9}"/>
+                  </a:ext>
+                </a:extLst>
+              </p:cNvPr>
+              <p:cNvSpPr>
+                <a:spLocks noGrp="1" noRot="1" noChangeAspect="1" noMove="1" noResize="1" noEditPoints="1" noAdjustHandles="1" noChangeArrowheads="1" noChangeShapeType="1" noTextEdit="1"/>
+              </p:cNvSpPr>
+              <p:nvPr>
+                <p:ph idx="1"/>
+              </p:nvPr>
+            </p:nvSpPr>
+            <p:spPr>
+              <a:xfrm>
+                <a:off x="838200" y="1825624"/>
+                <a:ext cx="10515600" cy="4961069"/>
+              </a:xfrm>
+              <a:blipFill>
+                <a:blip r:embed="rId2"/>
+                <a:stretch>
+                  <a:fillRect l="-522" t="-9459"/>
+                </a:stretch>
+              </a:blipFill>
+            </p:spPr>
+            <p:txBody>
+              <a:bodyPr/>
+              <a:lstStyle/>
+              <a:p>
+                <a:r>
+                  <a:rPr lang="ko-KR" altLang="en-US">
+                    <a:noFill/>
+                  </a:rPr>
+                  <a:t> </a:t>
+                </a:r>
+              </a:p>
+            </p:txBody>
+          </p:sp>
+        </mc:Fallback>
+      </mc:AlternateContent>
+    </p:spTree>
+    <p:extLst>
+      <p:ext uri="{BB962C8B-B14F-4D97-AF65-F5344CB8AC3E}">
+        <p14:creationId xmlns:p14="http://schemas.microsoft.com/office/powerpoint/2010/main" val="6572340"/>
+      </p:ext>
+    </p:extLst>
+  </p:cSld>
+  <p:clrMapOvr>
+    <a:masterClrMapping/>
+  </p:clrMapOvr>
+</p:sld>
+</file>
+
+<file path=ppt/slides/slide19.xml><?xml version="1.0" encoding="utf-8"?>
+<p:sld xmlns:a="http://schemas.openxmlformats.org/drawingml/2006/main" xmlns:r="http://schemas.openxmlformats.org/officeDocument/2006/relationships" xmlns:p="http://schemas.openxmlformats.org/presentationml/2006/main">
+  <p:cSld>
+    <p:spTree>
+      <p:nvGrpSpPr>
+        <p:cNvPr id="1" name=""/>
+        <p:cNvGrpSpPr/>
+        <p:nvPr/>
+      </p:nvGrpSpPr>
+      <p:grpSpPr>
+        <a:xfrm>
+          <a:off x="0" y="0"/>
+          <a:ext cx="0" cy="0"/>
+          <a:chOff x="0" y="0"/>
+          <a:chExt cx="0" cy="0"/>
+        </a:xfrm>
+      </p:grpSpPr>
+      <p:sp>
+        <p:nvSpPr>
+          <p:cNvPr id="2" name="제목 1">
+            <a:extLst>
+              <a:ext uri="{FF2B5EF4-FFF2-40B4-BE49-F238E27FC236}">
+                <a16:creationId xmlns:a16="http://schemas.microsoft.com/office/drawing/2014/main" id="{DE9744D8-88AF-44EB-B0A4-9084CDE1A01E}"/>
+              </a:ext>
+            </a:extLst>
+          </p:cNvPr>
+          <p:cNvSpPr>
+            <a:spLocks noGrp="1"/>
+          </p:cNvSpPr>
+          <p:nvPr>
+            <p:ph type="title"/>
+          </p:nvPr>
+        </p:nvSpPr>
+        <p:spPr/>
+        <p:txBody>
+          <a:bodyPr/>
+          <a:lstStyle/>
+          <a:p>
+            <a:r>
+              <a:rPr lang="en-US" altLang="ko-KR" dirty="0"/>
+              <a:t>Adaptive Boosting(5)</a:t>
+            </a:r>
+          </a:p>
+        </p:txBody>
+      </p:sp>
+      <p:sp>
+        <p:nvSpPr>
+          <p:cNvPr id="4" name="슬라이드 번호 개체 틀 3">
+            <a:extLst>
+              <a:ext uri="{FF2B5EF4-FFF2-40B4-BE49-F238E27FC236}">
+                <a16:creationId xmlns:a16="http://schemas.microsoft.com/office/drawing/2014/main" id="{1999B884-51A5-4CF5-883A-72D52B085E67}"/>
+              </a:ext>
+            </a:extLst>
+          </p:cNvPr>
+          <p:cNvSpPr>
+            <a:spLocks noGrp="1"/>
+          </p:cNvSpPr>
+          <p:nvPr>
+            <p:ph type="sldNum" sz="quarter" idx="12"/>
+          </p:nvPr>
+        </p:nvSpPr>
+        <p:spPr/>
+        <p:txBody>
+          <a:bodyPr/>
+          <a:lstStyle/>
+          <a:p>
+            <a:fld id="{F59478C8-4D3E-436D-90D9-DCABC619F031}" type="slidenum">
+              <a:rPr lang="ko-KR" altLang="en-US" smtClean="0"/>
+              <a:pPr/>
+              <a:t>19</a:t>
+            </a:fld>
+            <a:endParaRPr lang="ko-KR" altLang="en-US"/>
+          </a:p>
+        </p:txBody>
+      </p:sp>
+      <p:pic>
+        <p:nvPicPr>
+          <p:cNvPr id="7" name="그림 6">
+            <a:extLst>
+              <a:ext uri="{FF2B5EF4-FFF2-40B4-BE49-F238E27FC236}">
+                <a16:creationId xmlns:a16="http://schemas.microsoft.com/office/drawing/2014/main" id="{749D6D12-6079-4511-9AF1-7B0ABAA48109}"/>
+              </a:ext>
+            </a:extLst>
+          </p:cNvPr>
+          <p:cNvPicPr>
+            <a:picLocks noChangeAspect="1"/>
+          </p:cNvPicPr>
+          <p:nvPr/>
+        </p:nvPicPr>
+        <p:blipFill>
+          <a:blip r:embed="rId2">
+            <a:extLst>
+              <a:ext uri="{28A0092B-C50C-407E-A947-70E740481C1C}">
+                <a14:useLocalDpi xmlns:a14="http://schemas.microsoft.com/office/drawing/2010/main" val="0"/>
+              </a:ext>
+            </a:extLst>
+          </a:blip>
+          <a:stretch>
+            <a:fillRect/>
+          </a:stretch>
+        </p:blipFill>
+        <p:spPr>
+          <a:xfrm>
+            <a:off x="1066790" y="1600196"/>
+            <a:ext cx="10058420" cy="3657607"/>
+          </a:xfrm>
+          <a:prstGeom prst="rect">
+            <a:avLst/>
+          </a:prstGeom>
+        </p:spPr>
+      </p:pic>
+    </p:spTree>
+    <p:extLst>
+      <p:ext uri="{BB962C8B-B14F-4D97-AF65-F5344CB8AC3E}">
+        <p14:creationId xmlns:p14="http://schemas.microsoft.com/office/powerpoint/2010/main" val="2854098893"/>
       </p:ext>
     </p:extLst>
   </p:cSld>
@@ -5546,6 +7590,165 @@
     <p:extLst>
       <p:ext uri="{BB962C8B-B14F-4D97-AF65-F5344CB8AC3E}">
         <p14:creationId xmlns:p14="http://schemas.microsoft.com/office/powerpoint/2010/main" val="1367931539"/>
+      </p:ext>
+    </p:extLst>
+  </p:cSld>
+  <p:clrMapOvr>
+    <a:masterClrMapping/>
+  </p:clrMapOvr>
+</p:sld>
+</file>
+
+<file path=ppt/slides/slide20.xml><?xml version="1.0" encoding="utf-8"?>
+<p:sld xmlns:a="http://schemas.openxmlformats.org/drawingml/2006/main" xmlns:r="http://schemas.openxmlformats.org/officeDocument/2006/relationships" xmlns:p="http://schemas.openxmlformats.org/presentationml/2006/main">
+  <p:cSld>
+    <p:spTree>
+      <p:nvGrpSpPr>
+        <p:cNvPr id="1" name=""/>
+        <p:cNvGrpSpPr/>
+        <p:nvPr/>
+      </p:nvGrpSpPr>
+      <p:grpSpPr>
+        <a:xfrm>
+          <a:off x="0" y="0"/>
+          <a:ext cx="0" cy="0"/>
+          <a:chOff x="0" y="0"/>
+          <a:chExt cx="0" cy="0"/>
+        </a:xfrm>
+      </p:grpSpPr>
+      <p:sp>
+        <p:nvSpPr>
+          <p:cNvPr id="13" name="내용 개체 틀 2">
+            <a:extLst>
+              <a:ext uri="{FF2B5EF4-FFF2-40B4-BE49-F238E27FC236}">
+                <a16:creationId xmlns:a16="http://schemas.microsoft.com/office/drawing/2014/main" id="{8D477414-C412-4093-A354-5300C9511032}"/>
+              </a:ext>
+            </a:extLst>
+          </p:cNvPr>
+          <p:cNvSpPr>
+            <a:spLocks noGrp="1"/>
+          </p:cNvSpPr>
+          <p:nvPr>
+            <p:ph idx="1"/>
+          </p:nvPr>
+        </p:nvSpPr>
+        <p:spPr>
+          <a:xfrm>
+            <a:off x="838200" y="1825625"/>
+            <a:ext cx="10600500" cy="4351338"/>
+          </a:xfrm>
+        </p:spPr>
+        <p:txBody>
+          <a:bodyPr>
+            <a:normAutofit/>
+          </a:bodyPr>
+          <a:lstStyle/>
+          <a:p>
+            <a:r>
+              <a:rPr lang="en-US" altLang="ko-KR" dirty="0">
+                <a:hlinkClick r:id="rId2"/>
+              </a:rPr>
+              <a:t>https://datascienceschool.net/view-notebook/7d82087c31d64fe491dc74e1d5953ca2/</a:t>
+            </a:r>
+            <a:endParaRPr lang="en-US" altLang="ko-KR" dirty="0"/>
+          </a:p>
+          <a:p>
+            <a:r>
+              <a:rPr lang="en-US" altLang="ko-KR" dirty="0">
+                <a:hlinkClick r:id="rId3"/>
+              </a:rPr>
+              <a:t>https://ko.wikipedia.org/wiki/%EC%97%90%EC%9D%B4%EB%8B%A4%EB%B6%80%EC%8A%A4%ED%8A%B8</a:t>
+            </a:r>
+            <a:endParaRPr lang="en-US" altLang="ko-KR" dirty="0"/>
+          </a:p>
+          <a:p>
+            <a:r>
+              <a:rPr lang="ko-KR" altLang="en-US" dirty="0" err="1"/>
+              <a:t>핸즈온</a:t>
+            </a:r>
+            <a:r>
+              <a:rPr lang="ko-KR" altLang="en-US" dirty="0"/>
+              <a:t> </a:t>
+            </a:r>
+            <a:r>
+              <a:rPr lang="ko-KR" altLang="en-US" dirty="0" err="1"/>
+              <a:t>머신러닝</a:t>
+            </a:r>
+            <a:endParaRPr lang="en-US" altLang="ko-KR" dirty="0"/>
+          </a:p>
+        </p:txBody>
+      </p:sp>
+      <p:sp>
+        <p:nvSpPr>
+          <p:cNvPr id="10" name="제목 1">
+            <a:extLst>
+              <a:ext uri="{FF2B5EF4-FFF2-40B4-BE49-F238E27FC236}">
+                <a16:creationId xmlns:a16="http://schemas.microsoft.com/office/drawing/2014/main" id="{612CBF40-F4D2-47BC-996D-50750E785C51}"/>
+              </a:ext>
+            </a:extLst>
+          </p:cNvPr>
+          <p:cNvSpPr>
+            <a:spLocks noGrp="1"/>
+          </p:cNvSpPr>
+          <p:nvPr>
+            <p:ph type="title"/>
+          </p:nvPr>
+        </p:nvSpPr>
+        <p:spPr>
+          <a:xfrm>
+            <a:off x="838200" y="365125"/>
+            <a:ext cx="10515600" cy="1325563"/>
+          </a:xfrm>
+        </p:spPr>
+        <p:txBody>
+          <a:bodyPr>
+            <a:normAutofit/>
+          </a:bodyPr>
+          <a:lstStyle/>
+          <a:p>
+            <a:r>
+              <a:rPr lang="ko-KR" altLang="en-US" sz="2800" b="1" dirty="0">
+                <a:latin typeface="나눔명조" panose="02020603020101020101" pitchFamily="18" charset="-127"/>
+                <a:ea typeface="나눔명조" panose="02020603020101020101" pitchFamily="18" charset="-127"/>
+              </a:rPr>
+              <a:t>참고자료</a:t>
+            </a:r>
+          </a:p>
+        </p:txBody>
+      </p:sp>
+      <p:sp>
+        <p:nvSpPr>
+          <p:cNvPr id="15" name="슬라이드 번호 개체 틀 14">
+            <a:extLst>
+              <a:ext uri="{FF2B5EF4-FFF2-40B4-BE49-F238E27FC236}">
+                <a16:creationId xmlns:a16="http://schemas.microsoft.com/office/drawing/2014/main" id="{EA7B0DFB-FD88-4A1E-9627-0667BBF95C76}"/>
+              </a:ext>
+            </a:extLst>
+          </p:cNvPr>
+          <p:cNvSpPr>
+            <a:spLocks noGrp="1"/>
+          </p:cNvSpPr>
+          <p:nvPr>
+            <p:ph type="sldNum" sz="quarter" idx="12"/>
+          </p:nvPr>
+        </p:nvSpPr>
+        <p:spPr/>
+        <p:txBody>
+          <a:bodyPr/>
+          <a:lstStyle/>
+          <a:p>
+            <a:fld id="{F59478C8-4D3E-436D-90D9-DCABC619F031}" type="slidenum">
+              <a:rPr lang="ko-KR" altLang="en-US" smtClean="0"/>
+              <a:t>20</a:t>
+            </a:fld>
+            <a:endParaRPr lang="ko-KR" altLang="en-US"/>
+          </a:p>
+        </p:txBody>
+      </p:sp>
+    </p:spTree>
+    <p:extLst>
+      <p:ext uri="{BB962C8B-B14F-4D97-AF65-F5344CB8AC3E}">
+        <p14:creationId xmlns:p14="http://schemas.microsoft.com/office/powerpoint/2010/main" val="2627016248"/>
       </p:ext>
     </p:extLst>
   </p:cSld>
@@ -6043,8 +8246,8 @@
           </a:p>
         </p:txBody>
       </p:sp>
-      <mc:AlternateContent xmlns:mc="http://schemas.openxmlformats.org/markup-compatibility/2006">
-        <mc:Choice xmlns:a14="http://schemas.microsoft.com/office/drawing/2010/main" Requires="a14">
+      <mc:AlternateContent xmlns:mc="http://schemas.openxmlformats.org/markup-compatibility/2006" xmlns:a14="http://schemas.microsoft.com/office/drawing/2010/main">
+        <mc:Choice Requires="a14">
           <p:sp>
             <p:nvSpPr>
               <p:cNvPr id="5" name="내용 개체 틀 4">
@@ -6676,14 +8879,7 @@
                                     <a:latin typeface="Cambria Math" panose="02040503050406030204" pitchFamily="18" charset="0"/>
                                     <a:sym typeface="Wingdings" panose="05000000000000000000" pitchFamily="2" charset="2"/>
                                   </a:rPr>
-                                  <m:t>5</m:t>
-                                </m:r>
-                                <m:r>
-                                  <a:rPr lang="en-US" altLang="ko-KR" i="1">
-                                    <a:latin typeface="Cambria Math" panose="02040503050406030204" pitchFamily="18" charset="0"/>
-                                    <a:sym typeface="Wingdings" panose="05000000000000000000" pitchFamily="2" charset="2"/>
-                                  </a:rPr>
-                                  <m:t>2</m:t>
+                                  <m:t>52</m:t>
                                 </m:r>
                               </m:num>
                               <m:den>
@@ -6793,7 +8989,7 @@
             </p:txBody>
           </p:sp>
         </mc:Choice>
-        <mc:Fallback>
+        <mc:Fallback xmlns="">
           <p:sp>
             <p:nvSpPr>
               <p:cNvPr id="5" name="내용 개체 틀 4">
